--- a/base_de_datos_I/clases_practicas/LAB_03 (solution).pptx
+++ b/base_de_datos_I/clases_practicas/LAB_03 (solution).pptx
@@ -5753,7 +5753,7 @@
         </p:nvSpPr>
         <p:spPr>
           <a:xfrm>
-            <a:off x="2740025" y="2383790"/>
+            <a:off x="2858770" y="2383790"/>
             <a:ext cx="1430655" cy="393700"/>
           </a:xfrm>
           <a:prstGeom prst="rect">
@@ -6379,8 +6379,8 @@
         </p:nvCxnSpPr>
         <p:spPr>
           <a:xfrm>
-            <a:off x="4170680" y="2580005"/>
-            <a:ext cx="531495" cy="1905"/>
+            <a:off x="4289425" y="2580640"/>
+            <a:ext cx="413385" cy="1905"/>
           </a:xfrm>
           <a:prstGeom prst="line">
             <a:avLst/>
@@ -6452,7 +6452,7 @@
         </p:nvSpPr>
         <p:spPr>
           <a:xfrm>
-            <a:off x="4126230" y="2506345"/>
+            <a:off x="4215130" y="2538095"/>
             <a:ext cx="487680" cy="275590"/>
           </a:xfrm>
           <a:prstGeom prst="rect">
@@ -6673,15 +6673,15 @@
         <p:nvCxnSpPr>
           <p:cNvPr id="43" name="Straight Connector 42"/>
           <p:cNvCxnSpPr>
-            <a:stCxn id="41" idx="3"/>
-            <a:endCxn id="30" idx="1"/>
+            <a:stCxn id="41" idx="0"/>
+            <a:endCxn id="5" idx="2"/>
           </p:cNvCxnSpPr>
           <p:nvPr/>
         </p:nvCxnSpPr>
         <p:spPr>
-          <a:xfrm>
-            <a:off x="4267835" y="3536950"/>
-            <a:ext cx="539750" cy="0"/>
+          <a:xfrm flipV="1">
+            <a:off x="3568065" y="2777490"/>
+            <a:ext cx="6350" cy="527685"/>
           </a:xfrm>
           <a:prstGeom prst="line">
             <a:avLst/>
@@ -7510,7 +7510,7 @@
         </p:nvSpPr>
         <p:spPr>
           <a:xfrm>
-            <a:off x="4432300" y="3517265"/>
+            <a:off x="3228975" y="2777490"/>
             <a:ext cx="437515" cy="275590"/>
           </a:xfrm>
           <a:prstGeom prst="rect">

--- a/base_de_datos_I/clases_practicas/LAB_03 (solution).pptx
+++ b/base_de_datos_I/clases_practicas/LAB_03 (solution).pptx
@@ -15,7 +15,6 @@
     <p:sldId id="265" r:id="rId8"/>
     <p:sldId id="266" r:id="rId9"/>
     <p:sldId id="267" r:id="rId10"/>
-    <p:sldId id="269" r:id="rId11"/>
   </p:sldIdLst>
   <p:sldSz cx="9144000" cy="6858000" type="screen4x3"/>
   <p:notesSz cx="6858000" cy="9144000"/>
@@ -11445,7 +11444,7 @@
         <p:spPr>
           <a:xfrm>
             <a:off x="1128395" y="433070"/>
-            <a:ext cx="5530215" cy="991235"/>
+            <a:ext cx="5530215" cy="1604010"/>
           </a:xfrm>
           <a:prstGeom prst="rect">
             <a:avLst/>
@@ -11835,7 +11834,7 @@
         </p:nvSpPr>
         <p:spPr>
           <a:xfrm>
-            <a:off x="1398270" y="1860550"/>
+            <a:off x="1398270" y="2141220"/>
             <a:ext cx="1132840" cy="462915"/>
           </a:xfrm>
           <a:prstGeom prst="diamond">
@@ -12136,7 +12135,7 @@
         </p:nvSpPr>
         <p:spPr>
           <a:xfrm>
-            <a:off x="5238750" y="1952625"/>
+            <a:off x="5238750" y="2233295"/>
             <a:ext cx="1249045" cy="513080"/>
           </a:xfrm>
           <a:prstGeom prst="rect">
@@ -12179,7 +12178,7 @@
         </p:nvSpPr>
         <p:spPr>
           <a:xfrm>
-            <a:off x="6971665" y="2017395"/>
+            <a:off x="6971665" y="2298065"/>
             <a:ext cx="1019175" cy="383540"/>
           </a:xfrm>
           <a:prstGeom prst="diamond">
@@ -12445,7 +12444,7 @@
         <p:spPr>
           <a:xfrm>
             <a:off x="2588895" y="977900"/>
-            <a:ext cx="374650" cy="275590"/>
+            <a:ext cx="375920" cy="275590"/>
           </a:xfrm>
           <a:prstGeom prst="rect">
             <a:avLst/>
@@ -12459,7 +12458,7 @@
           <a:p>
             <a:r>
               <a:rPr lang="en-US" sz="1200"/>
-              <a:t>0,*</a:t>
+              <a:t>0,1</a:t>
             </a:r>
             <a:endParaRPr lang="en-US" sz="1200"/>
           </a:p>
@@ -12864,8 +12863,8 @@
         </p:nvCxnSpPr>
         <p:spPr>
           <a:xfrm>
-            <a:off x="1964690" y="2323465"/>
-            <a:ext cx="0" cy="901065"/>
+            <a:off x="1964690" y="2604135"/>
+            <a:ext cx="0" cy="620395"/>
           </a:xfrm>
           <a:prstGeom prst="line">
             <a:avLst/>
@@ -12904,7 +12903,7 @@
         <p:spPr>
           <a:xfrm flipH="1" flipV="1">
             <a:off x="1964055" y="1221740"/>
-            <a:ext cx="635" cy="638810"/>
+            <a:ext cx="635" cy="919480"/>
           </a:xfrm>
           <a:prstGeom prst="line">
             <a:avLst/>
@@ -13001,7 +13000,7 @@
         <p:spPr>
           <a:xfrm>
             <a:off x="5863590" y="1225550"/>
-            <a:ext cx="0" cy="727075"/>
+            <a:ext cx="0" cy="1007745"/>
           </a:xfrm>
           <a:prstGeom prst="line">
             <a:avLst/>
@@ -13080,7 +13079,7 @@
         </p:nvCxnSpPr>
         <p:spPr>
           <a:xfrm>
-            <a:off x="6487795" y="2209165"/>
+            <a:off x="6487795" y="2489835"/>
             <a:ext cx="483870" cy="0"/>
           </a:xfrm>
           <a:prstGeom prst="line">
@@ -13119,8 +13118,8 @@
         </p:nvCxnSpPr>
         <p:spPr>
           <a:xfrm flipV="1">
-            <a:off x="7473950" y="2400935"/>
-            <a:ext cx="7620" cy="641350"/>
+            <a:off x="7473950" y="2681605"/>
+            <a:ext cx="7620" cy="360680"/>
           </a:xfrm>
           <a:prstGeom prst="line">
             <a:avLst/>
@@ -13155,7 +13154,7 @@
         </p:nvSpPr>
         <p:spPr>
           <a:xfrm>
-            <a:off x="6450330" y="2209165"/>
+            <a:off x="6450330" y="2489835"/>
             <a:ext cx="374650" cy="275590"/>
           </a:xfrm>
           <a:prstGeom prst="rect">
@@ -13756,24 +13755,117 @@
           </a:p>
         </p:txBody>
       </p:sp>
-    </p:spTree>
-  </p:cSld>
-  <p:clrMapOvr>
-    <a:masterClrMapping/>
-  </p:clrMapOvr>
-</p:sld>
-</file>
-
-<file path=ppt/slides/slide8.xml><?xml version="1.0" encoding="utf-8"?>
-<p:sld xmlns:a="http://schemas.openxmlformats.org/drawingml/2006/main" xmlns:r="http://schemas.openxmlformats.org/officeDocument/2006/relationships" xmlns:p="http://schemas.openxmlformats.org/presentationml/2006/main">
-  <p:cSld>
-    <p:spTree>
-      <p:nvGrpSpPr>
-        <p:cNvPr id="1" name=""/>
-        <p:cNvGrpSpPr/>
-        <p:nvPr/>
-      </p:nvGrpSpPr>
-      <p:grpSpPr/>
+      <p:sp>
+        <p:nvSpPr>
+          <p:cNvPr id="28" name="Rectangles 27"/>
+          <p:cNvSpPr/>
+          <p:nvPr/>
+        </p:nvSpPr>
+        <p:spPr>
+          <a:xfrm>
+            <a:off x="3187700" y="1529715"/>
+            <a:ext cx="1249045" cy="399415"/>
+          </a:xfrm>
+          <a:prstGeom prst="rect">
+            <a:avLst/>
+          </a:prstGeom>
+        </p:spPr>
+        <p:style>
+          <a:lnRef idx="2">
+            <a:schemeClr val="accent1">
+              <a:shade val="50000"/>
+            </a:schemeClr>
+          </a:lnRef>
+          <a:fillRef idx="1">
+            <a:schemeClr val="accent1"/>
+          </a:fillRef>
+          <a:effectRef idx="0">
+            <a:schemeClr val="accent1"/>
+          </a:effectRef>
+          <a:fontRef idx="minor">
+            <a:schemeClr val="lt1"/>
+          </a:fontRef>
+        </p:style>
+        <p:txBody>
+          <a:bodyPr rtlCol="0" anchor="ctr"/>
+          <a:p>
+            <a:pPr algn="ctr"/>
+            <a:r>
+              <a:rPr lang="en-US" sz="1200"/>
+              <a:t>FECHA</a:t>
+            </a:r>
+            <a:endParaRPr lang="en-US" sz="1200"/>
+          </a:p>
+        </p:txBody>
+      </p:sp>
+      <p:cxnSp>
+        <p:nvCxnSpPr>
+          <p:cNvPr id="32" name="Straight Connector 31"/>
+          <p:cNvCxnSpPr>
+            <a:stCxn id="12" idx="2"/>
+            <a:endCxn id="28" idx="0"/>
+          </p:cNvCxnSpPr>
+          <p:nvPr/>
+        </p:nvCxnSpPr>
+        <p:spPr>
+          <a:xfrm>
+            <a:off x="3812540" y="1253490"/>
+            <a:ext cx="0" cy="276225"/>
+          </a:xfrm>
+          <a:prstGeom prst="line">
+            <a:avLst/>
+          </a:prstGeom>
+          <a:ln w="28575" cmpd="sng">
+            <a:solidFill>
+              <a:schemeClr val="accent2"/>
+            </a:solidFill>
+            <a:prstDash val="solid"/>
+          </a:ln>
+        </p:spPr>
+        <p:style>
+          <a:lnRef idx="1">
+            <a:schemeClr val="accent1"/>
+          </a:lnRef>
+          <a:fillRef idx="0">
+            <a:schemeClr val="accent1"/>
+          </a:fillRef>
+          <a:effectRef idx="0">
+            <a:schemeClr val="accent1"/>
+          </a:effectRef>
+          <a:fontRef idx="minor">
+            <a:schemeClr val="tx1"/>
+          </a:fontRef>
+        </p:style>
+      </p:cxnSp>
+      <p:sp>
+        <p:nvSpPr>
+          <p:cNvPr id="61" name="Text Box 60"/>
+          <p:cNvSpPr txBox="1"/>
+          <p:nvPr/>
+        </p:nvSpPr>
+        <p:spPr>
+          <a:xfrm>
+            <a:off x="3812540" y="1297305"/>
+            <a:ext cx="374650" cy="275590"/>
+          </a:xfrm>
+          <a:prstGeom prst="rect">
+            <a:avLst/>
+          </a:prstGeom>
+          <a:noFill/>
+        </p:spPr>
+        <p:txBody>
+          <a:bodyPr wrap="none" rtlCol="0">
+            <a:spAutoFit/>
+          </a:bodyPr>
+          <a:p>
+            <a:r>
+              <a:rPr lang="en-US" sz="1200"/>
+              <a:t>0,*</a:t>
+            </a:r>
+            <a:endParaRPr lang="en-US" sz="1200"/>
+          </a:p>
+        </p:txBody>
+      </p:sp>
     </p:spTree>
   </p:cSld>
   <p:clrMapOvr>

--- a/base_de_datos_I/clases_practicas/LAB_03 (solution).pptx
+++ b/base_de_datos_I/clases_practicas/LAB_03 (solution).pptx
@@ -5524,6 +5524,126 @@
       <p:grpSpPr/>
       <p:sp>
         <p:nvSpPr>
+          <p:cNvPr id="7" name="Freeform 6"/>
+          <p:cNvSpPr/>
+          <p:nvPr/>
+        </p:nvSpPr>
+        <p:spPr>
+          <a:xfrm>
+            <a:off x="2771775" y="2106930"/>
+            <a:ext cx="5659120" cy="1122680"/>
+          </a:xfrm>
+          <a:custGeom>
+            <a:avLst/>
+            <a:gdLst>
+              <a:gd name="connsiteX0" fmla="*/ 0 w 8912"/>
+              <a:gd name="connsiteY0" fmla="*/ 3 h 1340"/>
+              <a:gd name="connsiteX1" fmla="*/ 7420 w 8912"/>
+              <a:gd name="connsiteY1" fmla="*/ 0 h 1340"/>
+              <a:gd name="connsiteX2" fmla="*/ 8896 w 8912"/>
+              <a:gd name="connsiteY2" fmla="*/ 3 h 1340"/>
+              <a:gd name="connsiteX3" fmla="*/ 8894 w 8912"/>
+              <a:gd name="connsiteY3" fmla="*/ 102 h 1340"/>
+              <a:gd name="connsiteX4" fmla="*/ 8912 w 8912"/>
+              <a:gd name="connsiteY4" fmla="*/ 205 h 1340"/>
+              <a:gd name="connsiteX5" fmla="*/ 8896 w 8912"/>
+              <a:gd name="connsiteY5" fmla="*/ 1340 h 1340"/>
+              <a:gd name="connsiteX6" fmla="*/ 0 w 8912"/>
+              <a:gd name="connsiteY6" fmla="*/ 1340 h 1340"/>
+              <a:gd name="connsiteX7" fmla="*/ 0 w 8912"/>
+              <a:gd name="connsiteY7" fmla="*/ 3 h 1340"/>
+            </a:gdLst>
+            <a:ahLst/>
+            <a:cxnLst>
+              <a:cxn ang="0">
+                <a:pos x="connsiteX0" y="connsiteY0"/>
+              </a:cxn>
+              <a:cxn ang="0">
+                <a:pos x="connsiteX1" y="connsiteY1"/>
+              </a:cxn>
+              <a:cxn ang="0">
+                <a:pos x="connsiteX2" y="connsiteY2"/>
+              </a:cxn>
+              <a:cxn ang="0">
+                <a:pos x="connsiteX3" y="connsiteY3"/>
+              </a:cxn>
+              <a:cxn ang="0">
+                <a:pos x="connsiteX4" y="connsiteY4"/>
+              </a:cxn>
+              <a:cxn ang="0">
+                <a:pos x="connsiteX5" y="connsiteY5"/>
+              </a:cxn>
+              <a:cxn ang="0">
+                <a:pos x="connsiteX6" y="connsiteY6"/>
+              </a:cxn>
+              <a:cxn ang="0">
+                <a:pos x="connsiteX7" y="connsiteY7"/>
+              </a:cxn>
+            </a:cxnLst>
+            <a:rect l="l" t="t" r="r" b="b"/>
+            <a:pathLst>
+              <a:path w="8912" h="1340">
+                <a:moveTo>
+                  <a:pt x="0" y="3"/>
+                </a:moveTo>
+                <a:lnTo>
+                  <a:pt x="7420" y="0"/>
+                </a:lnTo>
+                <a:lnTo>
+                  <a:pt x="8896" y="3"/>
+                </a:lnTo>
+                <a:lnTo>
+                  <a:pt x="8894" y="102"/>
+                </a:lnTo>
+                <a:lnTo>
+                  <a:pt x="8912" y="205"/>
+                </a:lnTo>
+                <a:lnTo>
+                  <a:pt x="8896" y="1340"/>
+                </a:lnTo>
+                <a:lnTo>
+                  <a:pt x="0" y="1340"/>
+                </a:lnTo>
+                <a:lnTo>
+                  <a:pt x="0" y="3"/>
+                </a:lnTo>
+                <a:close/>
+              </a:path>
+            </a:pathLst>
+          </a:custGeom>
+          <a:solidFill>
+            <a:schemeClr val="accent1">
+              <a:lumMod val="40000"/>
+              <a:lumOff val="60000"/>
+            </a:schemeClr>
+          </a:solidFill>
+        </p:spPr>
+        <p:style>
+          <a:lnRef idx="2">
+            <a:schemeClr val="accent1">
+              <a:shade val="50000"/>
+            </a:schemeClr>
+          </a:lnRef>
+          <a:fillRef idx="1">
+            <a:schemeClr val="accent1"/>
+          </a:fillRef>
+          <a:effectRef idx="0">
+            <a:schemeClr val="accent1"/>
+          </a:effectRef>
+          <a:fontRef idx="minor">
+            <a:schemeClr val="lt1"/>
+          </a:fontRef>
+        </p:style>
+        <p:txBody>
+          <a:bodyPr rtlCol="0" anchor="ctr"/>
+          <a:p>
+            <a:pPr algn="ctr"/>
+            <a:endParaRPr lang="en-US"/>
+          </a:p>
+        </p:txBody>
+      </p:sp>
+      <p:sp>
+        <p:nvSpPr>
           <p:cNvPr id="57" name="Freeform 56"/>
           <p:cNvSpPr/>
           <p:nvPr/>
@@ -5709,7 +5829,7 @@
         </p:nvSpPr>
         <p:spPr>
           <a:xfrm>
-            <a:off x="4869815" y="3331845"/>
+            <a:off x="6760845" y="2383790"/>
             <a:ext cx="1430655" cy="399415"/>
           </a:xfrm>
           <a:prstGeom prst="rect">
@@ -6264,7 +6384,7 @@
           <a:p>
             <a:r>
               <a:rPr lang="en-US" sz="1200"/>
-              <a:t>1,1</a:t>
+              <a:t>1,*</a:t>
             </a:r>
             <a:endParaRPr lang="en-US" sz="1200"/>
           </a:p>
@@ -6272,14 +6392,900 @@
       </p:sp>
       <p:sp>
         <p:nvSpPr>
-          <p:cNvPr id="30" name="Rectangles 29"/>
+          <p:cNvPr id="31" name="Diamond 30"/>
           <p:cNvSpPr/>
           <p:nvPr/>
         </p:nvSpPr>
         <p:spPr>
           <a:xfrm>
-            <a:off x="4807585" y="3272155"/>
-            <a:ext cx="1556385" cy="529590"/>
+            <a:off x="4807585" y="2350135"/>
+            <a:ext cx="1576070" cy="462915"/>
+          </a:xfrm>
+          <a:prstGeom prst="diamond">
+            <a:avLst/>
+          </a:prstGeom>
+        </p:spPr>
+        <p:style>
+          <a:lnRef idx="2">
+            <a:schemeClr val="accent2">
+              <a:shade val="50000"/>
+            </a:schemeClr>
+          </a:lnRef>
+          <a:fillRef idx="1">
+            <a:schemeClr val="accent2"/>
+          </a:fillRef>
+          <a:effectRef idx="0">
+            <a:schemeClr val="accent2"/>
+          </a:effectRef>
+          <a:fontRef idx="minor">
+            <a:schemeClr val="lt1"/>
+          </a:fontRef>
+        </p:style>
+        <p:txBody>
+          <a:bodyPr lIns="0" rIns="36195" rtlCol="0" anchor="ctr"/>
+          <a:p>
+            <a:pPr algn="ctr"/>
+            <a:r>
+              <a:rPr lang="en-US" sz="1000"/>
+              <a:t>Desarrollar</a:t>
+            </a:r>
+            <a:endParaRPr lang="en-US" sz="1000"/>
+          </a:p>
+        </p:txBody>
+      </p:sp>
+      <p:cxnSp>
+        <p:nvCxnSpPr>
+          <p:cNvPr id="32" name="Straight Connector 31"/>
+          <p:cNvCxnSpPr>
+            <a:stCxn id="5" idx="3"/>
+            <a:endCxn id="31" idx="1"/>
+          </p:cNvCxnSpPr>
+          <p:nvPr/>
+        </p:nvCxnSpPr>
+        <p:spPr>
+          <a:xfrm>
+            <a:off x="4289425" y="2580640"/>
+            <a:ext cx="518160" cy="1270"/>
+          </a:xfrm>
+          <a:prstGeom prst="line">
+            <a:avLst/>
+          </a:prstGeom>
+          <a:ln w="28575">
+            <a:solidFill>
+              <a:schemeClr val="accent2"/>
+            </a:solidFill>
+          </a:ln>
+        </p:spPr>
+        <p:style>
+          <a:lnRef idx="1">
+            <a:schemeClr val="accent1"/>
+          </a:lnRef>
+          <a:fillRef idx="0">
+            <a:schemeClr val="accent1"/>
+          </a:fillRef>
+          <a:effectRef idx="0">
+            <a:schemeClr val="accent1"/>
+          </a:effectRef>
+          <a:fontRef idx="minor">
+            <a:schemeClr val="tx1"/>
+          </a:fontRef>
+        </p:style>
+      </p:cxnSp>
+      <p:sp>
+        <p:nvSpPr>
+          <p:cNvPr id="34" name="Text Box 33"/>
+          <p:cNvSpPr txBox="1"/>
+          <p:nvPr/>
+        </p:nvSpPr>
+        <p:spPr>
+          <a:xfrm>
+            <a:off x="4205605" y="2544445"/>
+            <a:ext cx="487680" cy="275590"/>
+          </a:xfrm>
+          <a:prstGeom prst="rect">
+            <a:avLst/>
+          </a:prstGeom>
+          <a:noFill/>
+        </p:spPr>
+        <p:txBody>
+          <a:bodyPr wrap="square" rtlCol="0">
+            <a:spAutoFit/>
+          </a:bodyPr>
+          <a:p>
+            <a:r>
+              <a:rPr lang="en-US" sz="1200"/>
+              <a:t>1,*</a:t>
+            </a:r>
+            <a:endParaRPr lang="en-US" sz="1200"/>
+          </a:p>
+        </p:txBody>
+      </p:sp>
+      <p:sp>
+        <p:nvSpPr>
+          <p:cNvPr id="35" name="Text Box 34"/>
+          <p:cNvSpPr txBox="1"/>
+          <p:nvPr/>
+        </p:nvSpPr>
+        <p:spPr>
+          <a:xfrm>
+            <a:off x="6336030" y="2544445"/>
+            <a:ext cx="472440" cy="275590"/>
+          </a:xfrm>
+          <a:prstGeom prst="rect">
+            <a:avLst/>
+          </a:prstGeom>
+          <a:noFill/>
+        </p:spPr>
+        <p:txBody>
+          <a:bodyPr wrap="square" rtlCol="0">
+            <a:spAutoFit/>
+          </a:bodyPr>
+          <a:p>
+            <a:r>
+              <a:rPr lang="en-US" sz="1200"/>
+              <a:t>0,*</a:t>
+            </a:r>
+            <a:endParaRPr lang="en-US" sz="1200"/>
+          </a:p>
+        </p:txBody>
+      </p:sp>
+      <p:sp>
+        <p:nvSpPr>
+          <p:cNvPr id="40" name="Text Box 39"/>
+          <p:cNvSpPr txBox="1"/>
+          <p:nvPr/>
+        </p:nvSpPr>
+        <p:spPr>
+          <a:xfrm>
+            <a:off x="4170680" y="5796280"/>
+            <a:ext cx="2680970" cy="337185"/>
+          </a:xfrm>
+          <a:prstGeom prst="rect">
+            <a:avLst/>
+          </a:prstGeom>
+          <a:noFill/>
+        </p:spPr>
+        <p:txBody>
+          <a:bodyPr wrap="square" rtlCol="0">
+            <a:spAutoFit/>
+          </a:bodyPr>
+          <a:p>
+            <a:r>
+              <a:rPr lang="en-US" sz="1600">
+                <a:solidFill>
+                  <a:srgbClr val="0070C0"/>
+                </a:solidFill>
+              </a:rPr>
+              <a:t>JUGADOR EN POSICIÓN</a:t>
+            </a:r>
+            <a:endParaRPr lang="en-US" sz="1600">
+              <a:solidFill>
+                <a:srgbClr val="0070C0"/>
+              </a:solidFill>
+            </a:endParaRPr>
+          </a:p>
+        </p:txBody>
+      </p:sp>
+      <p:sp>
+        <p:nvSpPr>
+          <p:cNvPr id="41" name="Diamond 40"/>
+          <p:cNvSpPr/>
+          <p:nvPr/>
+        </p:nvSpPr>
+        <p:spPr>
+          <a:xfrm>
+            <a:off x="2868295" y="3305175"/>
+            <a:ext cx="1399540" cy="462915"/>
+          </a:xfrm>
+          <a:prstGeom prst="diamond">
+            <a:avLst/>
+          </a:prstGeom>
+        </p:spPr>
+        <p:style>
+          <a:lnRef idx="2">
+            <a:schemeClr val="accent2">
+              <a:shade val="50000"/>
+            </a:schemeClr>
+          </a:lnRef>
+          <a:fillRef idx="1">
+            <a:schemeClr val="accent2"/>
+          </a:fillRef>
+          <a:effectRef idx="0">
+            <a:schemeClr val="accent2"/>
+          </a:effectRef>
+          <a:fontRef idx="minor">
+            <a:schemeClr val="lt1"/>
+          </a:fontRef>
+        </p:style>
+        <p:txBody>
+          <a:bodyPr lIns="0" rIns="36195" rtlCol="0" anchor="ctr"/>
+          <a:p>
+            <a:pPr algn="ctr"/>
+            <a:r>
+              <a:rPr lang="en-US" sz="1000"/>
+              <a:t>Integrar</a:t>
+            </a:r>
+            <a:endParaRPr lang="en-US" sz="1000"/>
+          </a:p>
+        </p:txBody>
+      </p:sp>
+      <p:cxnSp>
+        <p:nvCxnSpPr>
+          <p:cNvPr id="42" name="Straight Connector 41"/>
+          <p:cNvCxnSpPr>
+            <a:stCxn id="41" idx="1"/>
+            <a:endCxn id="6" idx="3"/>
+          </p:cNvCxnSpPr>
+          <p:nvPr/>
+        </p:nvCxnSpPr>
+        <p:spPr>
+          <a:xfrm flipH="1" flipV="1">
+            <a:off x="2089785" y="3526155"/>
+            <a:ext cx="778510" cy="10795"/>
+          </a:xfrm>
+          <a:prstGeom prst="line">
+            <a:avLst/>
+          </a:prstGeom>
+          <a:ln w="28575">
+            <a:solidFill>
+              <a:schemeClr val="accent2"/>
+            </a:solidFill>
+          </a:ln>
+        </p:spPr>
+        <p:style>
+          <a:lnRef idx="1">
+            <a:schemeClr val="accent1"/>
+          </a:lnRef>
+          <a:fillRef idx="0">
+            <a:schemeClr val="accent1"/>
+          </a:fillRef>
+          <a:effectRef idx="0">
+            <a:schemeClr val="accent1"/>
+          </a:effectRef>
+          <a:fontRef idx="minor">
+            <a:schemeClr val="tx1"/>
+          </a:fontRef>
+        </p:style>
+      </p:cxnSp>
+      <p:cxnSp>
+        <p:nvCxnSpPr>
+          <p:cNvPr id="43" name="Straight Connector 42"/>
+          <p:cNvCxnSpPr>
+            <a:stCxn id="41" idx="0"/>
+            <a:endCxn id="5" idx="2"/>
+          </p:cNvCxnSpPr>
+          <p:nvPr/>
+        </p:nvCxnSpPr>
+        <p:spPr>
+          <a:xfrm flipV="1">
+            <a:off x="3568065" y="2777490"/>
+            <a:ext cx="6350" cy="527685"/>
+          </a:xfrm>
+          <a:prstGeom prst="line">
+            <a:avLst/>
+          </a:prstGeom>
+          <a:ln w="28575">
+            <a:solidFill>
+              <a:schemeClr val="accent2"/>
+            </a:solidFill>
+          </a:ln>
+        </p:spPr>
+        <p:style>
+          <a:lnRef idx="1">
+            <a:schemeClr val="accent1"/>
+          </a:lnRef>
+          <a:fillRef idx="0">
+            <a:schemeClr val="accent1"/>
+          </a:fillRef>
+          <a:effectRef idx="0">
+            <a:schemeClr val="accent1"/>
+          </a:effectRef>
+          <a:fontRef idx="minor">
+            <a:schemeClr val="tx1"/>
+          </a:fontRef>
+        </p:style>
+      </p:cxnSp>
+      <p:sp>
+        <p:nvSpPr>
+          <p:cNvPr id="44" name="Rectangles 43"/>
+          <p:cNvSpPr/>
+          <p:nvPr/>
+        </p:nvSpPr>
+        <p:spPr>
+          <a:xfrm>
+            <a:off x="2956560" y="5238115"/>
+            <a:ext cx="1249045" cy="399415"/>
+          </a:xfrm>
+          <a:prstGeom prst="rect">
+            <a:avLst/>
+          </a:prstGeom>
+        </p:spPr>
+        <p:style>
+          <a:lnRef idx="2">
+            <a:schemeClr val="accent1">
+              <a:shade val="50000"/>
+            </a:schemeClr>
+          </a:lnRef>
+          <a:fillRef idx="1">
+            <a:schemeClr val="accent1"/>
+          </a:fillRef>
+          <a:effectRef idx="0">
+            <a:schemeClr val="accent1"/>
+          </a:effectRef>
+          <a:fontRef idx="minor">
+            <a:schemeClr val="lt1"/>
+          </a:fontRef>
+        </p:style>
+        <p:txBody>
+          <a:bodyPr rtlCol="0" anchor="ctr"/>
+          <a:p>
+            <a:pPr algn="ctr"/>
+            <a:r>
+              <a:rPr lang="en-US" sz="1200"/>
+              <a:t>JUGADOR</a:t>
+            </a:r>
+            <a:endParaRPr lang="en-US" sz="1200"/>
+          </a:p>
+        </p:txBody>
+      </p:sp>
+      <p:cxnSp>
+        <p:nvCxnSpPr>
+          <p:cNvPr id="45" name="Straight Connector 44"/>
+          <p:cNvCxnSpPr>
+            <a:stCxn id="41" idx="2"/>
+            <a:endCxn id="44" idx="0"/>
+          </p:cNvCxnSpPr>
+          <p:nvPr/>
+        </p:nvCxnSpPr>
+        <p:spPr>
+          <a:xfrm>
+            <a:off x="3568065" y="3768090"/>
+            <a:ext cx="12700" cy="1470025"/>
+          </a:xfrm>
+          <a:prstGeom prst="line">
+            <a:avLst/>
+          </a:prstGeom>
+          <a:ln w="28575">
+            <a:solidFill>
+              <a:schemeClr val="accent2"/>
+            </a:solidFill>
+          </a:ln>
+        </p:spPr>
+        <p:style>
+          <a:lnRef idx="1">
+            <a:schemeClr val="accent1"/>
+          </a:lnRef>
+          <a:fillRef idx="0">
+            <a:schemeClr val="accent1"/>
+          </a:fillRef>
+          <a:effectRef idx="0">
+            <a:schemeClr val="accent1"/>
+          </a:effectRef>
+          <a:fontRef idx="minor">
+            <a:schemeClr val="tx1"/>
+          </a:fontRef>
+        </p:style>
+      </p:cxnSp>
+      <p:sp>
+        <p:nvSpPr>
+          <p:cNvPr id="46" name="Diamond 45"/>
+          <p:cNvSpPr/>
+          <p:nvPr/>
+        </p:nvSpPr>
+        <p:spPr>
+          <a:xfrm>
+            <a:off x="890905" y="3965575"/>
+            <a:ext cx="1399540" cy="462915"/>
+          </a:xfrm>
+          <a:prstGeom prst="diamond">
+            <a:avLst/>
+          </a:prstGeom>
+        </p:spPr>
+        <p:style>
+          <a:lnRef idx="2">
+            <a:schemeClr val="accent2">
+              <a:shade val="50000"/>
+            </a:schemeClr>
+          </a:lnRef>
+          <a:fillRef idx="1">
+            <a:schemeClr val="accent2"/>
+          </a:fillRef>
+          <a:effectRef idx="0">
+            <a:schemeClr val="accent2"/>
+          </a:effectRef>
+          <a:fontRef idx="minor">
+            <a:schemeClr val="lt1"/>
+          </a:fontRef>
+        </p:style>
+        <p:txBody>
+          <a:bodyPr lIns="0" rIns="36195" rtlCol="0" anchor="ctr"/>
+          <a:p>
+            <a:pPr algn="ctr"/>
+            <a:r>
+              <a:rPr lang="en-US" sz="1000"/>
+              <a:t>Tener</a:t>
+            </a:r>
+            <a:endParaRPr lang="en-US" sz="1000"/>
+          </a:p>
+        </p:txBody>
+      </p:sp>
+      <p:cxnSp>
+        <p:nvCxnSpPr>
+          <p:cNvPr id="47" name="Straight Connector 46"/>
+          <p:cNvCxnSpPr>
+            <a:stCxn id="19" idx="0"/>
+            <a:endCxn id="46" idx="2"/>
+          </p:cNvCxnSpPr>
+          <p:nvPr/>
+        </p:nvCxnSpPr>
+        <p:spPr>
+          <a:xfrm flipV="1">
+            <a:off x="1587500" y="4429125"/>
+            <a:ext cx="3175" cy="240665"/>
+          </a:xfrm>
+          <a:prstGeom prst="line">
+            <a:avLst/>
+          </a:prstGeom>
+          <a:ln w="28575">
+            <a:solidFill>
+              <a:schemeClr val="accent2"/>
+            </a:solidFill>
+          </a:ln>
+        </p:spPr>
+        <p:style>
+          <a:lnRef idx="1">
+            <a:schemeClr val="accent1"/>
+          </a:lnRef>
+          <a:fillRef idx="0">
+            <a:schemeClr val="accent1"/>
+          </a:fillRef>
+          <a:effectRef idx="0">
+            <a:schemeClr val="accent1"/>
+          </a:effectRef>
+          <a:fontRef idx="minor">
+            <a:schemeClr val="tx1"/>
+          </a:fontRef>
+        </p:style>
+      </p:cxnSp>
+      <p:cxnSp>
+        <p:nvCxnSpPr>
+          <p:cNvPr id="48" name="Straight Connector 47"/>
+          <p:cNvCxnSpPr>
+            <a:stCxn id="46" idx="0"/>
+            <a:endCxn id="6" idx="2"/>
+          </p:cNvCxnSpPr>
+          <p:nvPr/>
+        </p:nvCxnSpPr>
+        <p:spPr>
+          <a:xfrm flipH="1" flipV="1">
+            <a:off x="1588770" y="3725545"/>
+            <a:ext cx="2540" cy="240665"/>
+          </a:xfrm>
+          <a:prstGeom prst="line">
+            <a:avLst/>
+          </a:prstGeom>
+          <a:ln w="28575">
+            <a:solidFill>
+              <a:schemeClr val="accent2"/>
+            </a:solidFill>
+          </a:ln>
+        </p:spPr>
+        <p:style>
+          <a:lnRef idx="1">
+            <a:schemeClr val="accent1"/>
+          </a:lnRef>
+          <a:fillRef idx="0">
+            <a:schemeClr val="accent1"/>
+          </a:fillRef>
+          <a:effectRef idx="0">
+            <a:schemeClr val="accent1"/>
+          </a:effectRef>
+          <a:fontRef idx="minor">
+            <a:schemeClr val="tx1"/>
+          </a:fontRef>
+        </p:style>
+      </p:cxnSp>
+      <p:sp>
+        <p:nvSpPr>
+          <p:cNvPr id="49" name="Diamond 48"/>
+          <p:cNvSpPr/>
+          <p:nvPr/>
+        </p:nvSpPr>
+        <p:spPr>
+          <a:xfrm>
+            <a:off x="898525" y="2450465"/>
+            <a:ext cx="1399540" cy="462915"/>
+          </a:xfrm>
+          <a:prstGeom prst="diamond">
+            <a:avLst/>
+          </a:prstGeom>
+        </p:spPr>
+        <p:style>
+          <a:lnRef idx="2">
+            <a:schemeClr val="accent2">
+              <a:shade val="50000"/>
+            </a:schemeClr>
+          </a:lnRef>
+          <a:fillRef idx="1">
+            <a:schemeClr val="accent2"/>
+          </a:fillRef>
+          <a:effectRef idx="0">
+            <a:schemeClr val="accent2"/>
+          </a:effectRef>
+          <a:fontRef idx="minor">
+            <a:schemeClr val="lt1"/>
+          </a:fontRef>
+        </p:style>
+        <p:txBody>
+          <a:bodyPr lIns="0" rIns="36195" rtlCol="0" anchor="ctr"/>
+          <a:p>
+            <a:pPr algn="ctr"/>
+            <a:r>
+              <a:rPr lang="en-US" sz="1000"/>
+              <a:t>Enfrentar</a:t>
+            </a:r>
+            <a:endParaRPr lang="en-US" sz="1000"/>
+          </a:p>
+        </p:txBody>
+      </p:sp>
+      <p:cxnSp>
+        <p:nvCxnSpPr>
+          <p:cNvPr id="50" name="Straight Connector 49"/>
+          <p:cNvCxnSpPr>
+            <a:stCxn id="49" idx="2"/>
+            <a:endCxn id="6" idx="0"/>
+          </p:cNvCxnSpPr>
+          <p:nvPr/>
+        </p:nvCxnSpPr>
+        <p:spPr>
+          <a:xfrm flipH="1">
+            <a:off x="1588770" y="2914015"/>
+            <a:ext cx="9525" cy="412115"/>
+          </a:xfrm>
+          <a:prstGeom prst="line">
+            <a:avLst/>
+          </a:prstGeom>
+          <a:ln w="28575">
+            <a:solidFill>
+              <a:schemeClr val="accent2"/>
+            </a:solidFill>
+          </a:ln>
+        </p:spPr>
+        <p:style>
+          <a:lnRef idx="1">
+            <a:schemeClr val="accent1"/>
+          </a:lnRef>
+          <a:fillRef idx="0">
+            <a:schemeClr val="accent1"/>
+          </a:fillRef>
+          <a:effectRef idx="0">
+            <a:schemeClr val="accent1"/>
+          </a:effectRef>
+          <a:fontRef idx="minor">
+            <a:schemeClr val="tx1"/>
+          </a:fontRef>
+        </p:style>
+      </p:cxnSp>
+      <p:cxnSp>
+        <p:nvCxnSpPr>
+          <p:cNvPr id="51" name="Straight Connector 50"/>
+          <p:cNvCxnSpPr>
+            <a:stCxn id="49" idx="1"/>
+          </p:cNvCxnSpPr>
+          <p:nvPr/>
+        </p:nvCxnSpPr>
+        <p:spPr>
+          <a:xfrm>
+            <a:off x="898525" y="2682240"/>
+            <a:ext cx="10160" cy="835025"/>
+          </a:xfrm>
+          <a:prstGeom prst="line">
+            <a:avLst/>
+          </a:prstGeom>
+          <a:ln w="28575">
+            <a:solidFill>
+              <a:schemeClr val="accent2"/>
+            </a:solidFill>
+          </a:ln>
+        </p:spPr>
+        <p:style>
+          <a:lnRef idx="1">
+            <a:schemeClr val="accent1"/>
+          </a:lnRef>
+          <a:fillRef idx="0">
+            <a:schemeClr val="accent1"/>
+          </a:fillRef>
+          <a:effectRef idx="0">
+            <a:schemeClr val="accent1"/>
+          </a:effectRef>
+          <a:fontRef idx="minor">
+            <a:schemeClr val="tx1"/>
+          </a:fontRef>
+        </p:style>
+      </p:cxnSp>
+      <p:cxnSp>
+        <p:nvCxnSpPr>
+          <p:cNvPr id="52" name="Straight Connector 51"/>
+          <p:cNvCxnSpPr>
+            <a:stCxn id="6" idx="1"/>
+          </p:cNvCxnSpPr>
+          <p:nvPr/>
+        </p:nvCxnSpPr>
+        <p:spPr>
+          <a:xfrm flipH="1" flipV="1">
+            <a:off x="897255" y="3517265"/>
+            <a:ext cx="189230" cy="8890"/>
+          </a:xfrm>
+          <a:prstGeom prst="line">
+            <a:avLst/>
+          </a:prstGeom>
+          <a:ln w="28575">
+            <a:solidFill>
+              <a:schemeClr val="accent2"/>
+            </a:solidFill>
+          </a:ln>
+        </p:spPr>
+        <p:style>
+          <a:lnRef idx="1">
+            <a:schemeClr val="accent1"/>
+          </a:lnRef>
+          <a:fillRef idx="0">
+            <a:schemeClr val="accent1"/>
+          </a:fillRef>
+          <a:effectRef idx="0">
+            <a:schemeClr val="accent1"/>
+          </a:effectRef>
+          <a:fontRef idx="minor">
+            <a:schemeClr val="tx1"/>
+          </a:fontRef>
+        </p:style>
+      </p:cxnSp>
+      <p:sp>
+        <p:nvSpPr>
+          <p:cNvPr id="53" name="Rectangles 52"/>
+          <p:cNvSpPr/>
+          <p:nvPr/>
+        </p:nvSpPr>
+        <p:spPr>
+          <a:xfrm>
+            <a:off x="1096645" y="1772920"/>
+            <a:ext cx="1003300" cy="399415"/>
+          </a:xfrm>
+          <a:prstGeom prst="rect">
+            <a:avLst/>
+          </a:prstGeom>
+        </p:spPr>
+        <p:style>
+          <a:lnRef idx="2">
+            <a:schemeClr val="accent1">
+              <a:shade val="50000"/>
+            </a:schemeClr>
+          </a:lnRef>
+          <a:fillRef idx="1">
+            <a:schemeClr val="accent1"/>
+          </a:fillRef>
+          <a:effectRef idx="0">
+            <a:schemeClr val="accent1"/>
+          </a:effectRef>
+          <a:fontRef idx="minor">
+            <a:schemeClr val="lt1"/>
+          </a:fontRef>
+        </p:style>
+        <p:txBody>
+          <a:bodyPr rtlCol="0" anchor="ctr"/>
+          <a:p>
+            <a:pPr algn="ctr"/>
+            <a:r>
+              <a:rPr lang="en-US" sz="1200"/>
+              <a:t>FECHA</a:t>
+            </a:r>
+            <a:endParaRPr lang="en-US" sz="1200"/>
+          </a:p>
+        </p:txBody>
+      </p:sp>
+      <p:cxnSp>
+        <p:nvCxnSpPr>
+          <p:cNvPr id="54" name="Straight Connector 53"/>
+          <p:cNvCxnSpPr>
+            <a:stCxn id="49" idx="0"/>
+            <a:endCxn id="53" idx="2"/>
+          </p:cNvCxnSpPr>
+          <p:nvPr/>
+        </p:nvCxnSpPr>
+        <p:spPr>
+          <a:xfrm flipV="1">
+            <a:off x="1598295" y="2172335"/>
+            <a:ext cx="635" cy="278765"/>
+          </a:xfrm>
+          <a:prstGeom prst="line">
+            <a:avLst/>
+          </a:prstGeom>
+          <a:ln w="28575">
+            <a:solidFill>
+              <a:schemeClr val="accent2"/>
+            </a:solidFill>
+          </a:ln>
+        </p:spPr>
+        <p:style>
+          <a:lnRef idx="1">
+            <a:schemeClr val="accent1"/>
+          </a:lnRef>
+          <a:fillRef idx="0">
+            <a:schemeClr val="accent1"/>
+          </a:fillRef>
+          <a:effectRef idx="0">
+            <a:schemeClr val="accent1"/>
+          </a:effectRef>
+          <a:fontRef idx="minor">
+            <a:schemeClr val="tx1"/>
+          </a:fontRef>
+        </p:style>
+      </p:cxnSp>
+      <p:sp>
+        <p:nvSpPr>
+          <p:cNvPr id="58" name="Text Box 57"/>
+          <p:cNvSpPr txBox="1"/>
+          <p:nvPr/>
+        </p:nvSpPr>
+        <p:spPr>
+          <a:xfrm>
+            <a:off x="1160780" y="1374140"/>
+            <a:ext cx="876300" cy="398780"/>
+          </a:xfrm>
+          <a:prstGeom prst="rect">
+            <a:avLst/>
+          </a:prstGeom>
+          <a:noFill/>
+        </p:spPr>
+        <p:txBody>
+          <a:bodyPr wrap="none" rtlCol="0">
+            <a:spAutoFit/>
+          </a:bodyPr>
+          <a:p>
+            <a:r>
+              <a:rPr lang="en-US" sz="2000">
+                <a:solidFill>
+                  <a:srgbClr val="0070C0"/>
+                </a:solidFill>
+              </a:rPr>
+              <a:t>JUEGO</a:t>
+            </a:r>
+            <a:endParaRPr lang="en-US" sz="2000">
+              <a:solidFill>
+                <a:srgbClr val="0070C0"/>
+              </a:solidFill>
+            </a:endParaRPr>
+          </a:p>
+        </p:txBody>
+      </p:sp>
+      <p:cxnSp>
+        <p:nvCxnSpPr>
+          <p:cNvPr id="60" name="Straight Connector 59"/>
+          <p:cNvCxnSpPr>
+            <a:stCxn id="57" idx="2"/>
+            <a:endCxn id="63" idx="1"/>
+          </p:cNvCxnSpPr>
+          <p:nvPr/>
+        </p:nvCxnSpPr>
+        <p:spPr>
+          <a:xfrm flipV="1">
+            <a:off x="2410460" y="1639570"/>
+            <a:ext cx="2625090" cy="5715"/>
+          </a:xfrm>
+          <a:prstGeom prst="line">
+            <a:avLst/>
+          </a:prstGeom>
+          <a:ln w="28575">
+            <a:solidFill>
+              <a:schemeClr val="accent2"/>
+            </a:solidFill>
+          </a:ln>
+        </p:spPr>
+        <p:style>
+          <a:lnRef idx="1">
+            <a:schemeClr val="accent1"/>
+          </a:lnRef>
+          <a:fillRef idx="0">
+            <a:schemeClr val="accent1"/>
+          </a:fillRef>
+          <a:effectRef idx="0">
+            <a:schemeClr val="accent1"/>
+          </a:effectRef>
+          <a:fontRef idx="minor">
+            <a:schemeClr val="tx1"/>
+          </a:fontRef>
+        </p:style>
+      </p:cxnSp>
+      <p:sp>
+        <p:nvSpPr>
+          <p:cNvPr id="63" name="Diamond 62"/>
+          <p:cNvSpPr/>
+          <p:nvPr/>
+        </p:nvSpPr>
+        <p:spPr>
+          <a:xfrm>
+            <a:off x="5035550" y="1407795"/>
+            <a:ext cx="1132840" cy="462915"/>
+          </a:xfrm>
+          <a:prstGeom prst="diamond">
+            <a:avLst/>
+          </a:prstGeom>
+        </p:spPr>
+        <p:style>
+          <a:lnRef idx="2">
+            <a:schemeClr val="accent2">
+              <a:shade val="50000"/>
+            </a:schemeClr>
+          </a:lnRef>
+          <a:fillRef idx="1">
+            <a:schemeClr val="accent2"/>
+          </a:fillRef>
+          <a:effectRef idx="0">
+            <a:schemeClr val="accent2"/>
+          </a:effectRef>
+          <a:fontRef idx="minor">
+            <a:schemeClr val="lt1"/>
+          </a:fontRef>
+        </p:style>
+        <p:txBody>
+          <a:bodyPr lIns="0" rIns="36195" rtlCol="0" anchor="ctr"/>
+          <a:p>
+            <a:pPr algn="ctr"/>
+            <a:r>
+              <a:rPr lang="en-US" sz="1000"/>
+              <a:t>Realizar</a:t>
+            </a:r>
+            <a:endParaRPr lang="en-US" sz="1000"/>
+          </a:p>
+        </p:txBody>
+      </p:sp>
+      <p:cxnSp>
+        <p:nvCxnSpPr>
+          <p:cNvPr id="64" name="Straight Connector 63"/>
+          <p:cNvCxnSpPr>
+            <a:endCxn id="63" idx="3"/>
+          </p:cNvCxnSpPr>
+          <p:nvPr/>
+        </p:nvCxnSpPr>
+        <p:spPr>
+          <a:xfrm flipH="1">
+            <a:off x="6168390" y="1638300"/>
+            <a:ext cx="1304290" cy="1270"/>
+          </a:xfrm>
+          <a:prstGeom prst="line">
+            <a:avLst/>
+          </a:prstGeom>
+          <a:ln w="28575">
+            <a:solidFill>
+              <a:schemeClr val="accent2"/>
+            </a:solidFill>
+          </a:ln>
+        </p:spPr>
+        <p:style>
+          <a:lnRef idx="1">
+            <a:schemeClr val="accent1"/>
+          </a:lnRef>
+          <a:fillRef idx="0">
+            <a:schemeClr val="accent1"/>
+          </a:fillRef>
+          <a:effectRef idx="0">
+            <a:schemeClr val="accent1"/>
+          </a:effectRef>
+          <a:fontRef idx="minor">
+            <a:schemeClr val="tx1"/>
+          </a:fontRef>
+        </p:style>
+      </p:cxnSp>
+      <p:sp>
+        <p:nvSpPr>
+          <p:cNvPr id="65" name="Rectangles 64"/>
+          <p:cNvSpPr/>
+          <p:nvPr/>
+        </p:nvSpPr>
+        <p:spPr>
+          <a:xfrm>
+            <a:off x="925195" y="4629150"/>
+            <a:ext cx="1332865" cy="508000"/>
           </a:xfrm>
           <a:prstGeom prst="rect">
             <a:avLst/>
@@ -6326,18 +7332,28 @@
       </p:sp>
       <p:sp>
         <p:nvSpPr>
-          <p:cNvPr id="31" name="Diamond 30"/>
+          <p:cNvPr id="66" name="Diamond 65"/>
           <p:cNvSpPr/>
           <p:nvPr/>
         </p:nvSpPr>
         <p:spPr>
           <a:xfrm>
-            <a:off x="4807585" y="2350135"/>
-            <a:ext cx="1576070" cy="462915"/>
+            <a:off x="784225" y="3922395"/>
+            <a:ext cx="1612900" cy="549275"/>
           </a:xfrm>
           <a:prstGeom prst="diamond">
             <a:avLst/>
           </a:prstGeom>
+          <a:noFill/>
+          <a:extLst>
+            <a:ext uri="{909E8E84-426E-40DD-AFC4-6F175D3DCCD1}">
+              <a14:hiddenFill xmlns:a14="http://schemas.microsoft.com/office/drawing/2010/main">
+                <a:solidFill>
+                  <a:schemeClr val="accent2"/>
+                </a:solidFill>
+              </a14:hiddenFill>
+            </a:ext>
+          </a:extLst>
         </p:spPr>
         <p:style>
           <a:lnRef idx="2">
@@ -6359,27 +7375,313 @@
           <a:bodyPr lIns="0" rIns="36195" rtlCol="0" anchor="ctr"/>
           <a:p>
             <a:pPr algn="ctr"/>
-            <a:r>
-              <a:rPr lang="en-US" sz="1000"/>
-              <a:t>Desarrollar</a:t>
-            </a:r>
             <a:endParaRPr lang="en-US" sz="1000"/>
+          </a:p>
+        </p:txBody>
+      </p:sp>
+      <p:sp>
+        <p:nvSpPr>
+          <p:cNvPr id="67" name="Text Box 66"/>
+          <p:cNvSpPr txBox="1"/>
+          <p:nvPr/>
+        </p:nvSpPr>
+        <p:spPr>
+          <a:xfrm>
+            <a:off x="3568065" y="4962525"/>
+            <a:ext cx="413385" cy="275590"/>
+          </a:xfrm>
+          <a:prstGeom prst="rect">
+            <a:avLst/>
+          </a:prstGeom>
+          <a:noFill/>
+        </p:spPr>
+        <p:txBody>
+          <a:bodyPr wrap="square" rtlCol="0">
+            <a:spAutoFit/>
+          </a:bodyPr>
+          <a:p>
+            <a:r>
+              <a:rPr lang="en-US" sz="1200"/>
+              <a:t>1,*</a:t>
+            </a:r>
+            <a:endParaRPr lang="en-US" sz="1200"/>
+          </a:p>
+        </p:txBody>
+      </p:sp>
+      <p:sp>
+        <p:nvSpPr>
+          <p:cNvPr id="68" name="Text Box 67"/>
+          <p:cNvSpPr txBox="1"/>
+          <p:nvPr/>
+        </p:nvSpPr>
+        <p:spPr>
+          <a:xfrm>
+            <a:off x="3250565" y="2777490"/>
+            <a:ext cx="437515" cy="275590"/>
+          </a:xfrm>
+          <a:prstGeom prst="rect">
+            <a:avLst/>
+          </a:prstGeom>
+          <a:noFill/>
+        </p:spPr>
+        <p:txBody>
+          <a:bodyPr wrap="square" rtlCol="0">
+            <a:spAutoFit/>
+          </a:bodyPr>
+          <a:p>
+            <a:r>
+              <a:rPr lang="en-US" sz="1200"/>
+              <a:t>0,*</a:t>
+            </a:r>
+            <a:endParaRPr lang="en-US" sz="1200"/>
+          </a:p>
+        </p:txBody>
+      </p:sp>
+      <p:sp>
+        <p:nvSpPr>
+          <p:cNvPr id="69" name="Text Box 68"/>
+          <p:cNvSpPr txBox="1"/>
+          <p:nvPr/>
+        </p:nvSpPr>
+        <p:spPr>
+          <a:xfrm>
+            <a:off x="2037080" y="3492500"/>
+            <a:ext cx="437515" cy="275590"/>
+          </a:xfrm>
+          <a:prstGeom prst="rect">
+            <a:avLst/>
+          </a:prstGeom>
+          <a:noFill/>
+        </p:spPr>
+        <p:txBody>
+          <a:bodyPr wrap="square" rtlCol="0">
+            <a:spAutoFit/>
+          </a:bodyPr>
+          <a:p>
+            <a:r>
+              <a:rPr lang="en-US" sz="1200"/>
+              <a:t>0,1</a:t>
+            </a:r>
+            <a:endParaRPr lang="en-US" sz="1200"/>
+          </a:p>
+        </p:txBody>
+      </p:sp>
+      <p:sp>
+        <p:nvSpPr>
+          <p:cNvPr id="70" name="Text Box 69"/>
+          <p:cNvSpPr txBox="1"/>
+          <p:nvPr/>
+        </p:nvSpPr>
+        <p:spPr>
+          <a:xfrm>
+            <a:off x="1587500" y="3056255"/>
+            <a:ext cx="437515" cy="275590"/>
+          </a:xfrm>
+          <a:prstGeom prst="rect">
+            <a:avLst/>
+          </a:prstGeom>
+          <a:noFill/>
+        </p:spPr>
+        <p:txBody>
+          <a:bodyPr wrap="square" rtlCol="0">
+            <a:spAutoFit/>
+          </a:bodyPr>
+          <a:p>
+            <a:r>
+              <a:rPr lang="en-US" sz="1200"/>
+              <a:t>0,1</a:t>
+            </a:r>
+            <a:endParaRPr lang="en-US" sz="1200"/>
+          </a:p>
+        </p:txBody>
+      </p:sp>
+      <p:sp>
+        <p:nvSpPr>
+          <p:cNvPr id="71" name="Text Box 70"/>
+          <p:cNvSpPr txBox="1"/>
+          <p:nvPr/>
+        </p:nvSpPr>
+        <p:spPr>
+          <a:xfrm>
+            <a:off x="773430" y="3492500"/>
+            <a:ext cx="437515" cy="275590"/>
+          </a:xfrm>
+          <a:prstGeom prst="rect">
+            <a:avLst/>
+          </a:prstGeom>
+          <a:noFill/>
+        </p:spPr>
+        <p:txBody>
+          <a:bodyPr wrap="square" rtlCol="0">
+            <a:spAutoFit/>
+          </a:bodyPr>
+          <a:p>
+            <a:r>
+              <a:rPr lang="en-US" sz="1200"/>
+              <a:t>0,1</a:t>
+            </a:r>
+            <a:endParaRPr lang="en-US" sz="1200"/>
+          </a:p>
+        </p:txBody>
+      </p:sp>
+      <p:sp>
+        <p:nvSpPr>
+          <p:cNvPr id="72" name="Text Box 71"/>
+          <p:cNvSpPr txBox="1"/>
+          <p:nvPr/>
+        </p:nvSpPr>
+        <p:spPr>
+          <a:xfrm>
+            <a:off x="1587500" y="2108200"/>
+            <a:ext cx="437515" cy="275590"/>
+          </a:xfrm>
+          <a:prstGeom prst="rect">
+            <a:avLst/>
+          </a:prstGeom>
+          <a:noFill/>
+        </p:spPr>
+        <p:txBody>
+          <a:bodyPr wrap="square" rtlCol="0">
+            <a:spAutoFit/>
+          </a:bodyPr>
+          <a:p>
+            <a:r>
+              <a:rPr lang="en-US" sz="1200"/>
+              <a:t>1,*</a:t>
+            </a:r>
+            <a:endParaRPr lang="en-US" sz="1200"/>
+          </a:p>
+        </p:txBody>
+      </p:sp>
+      <p:sp>
+        <p:nvSpPr>
+          <p:cNvPr id="73" name="Text Box 72"/>
+          <p:cNvSpPr txBox="1"/>
+          <p:nvPr/>
+        </p:nvSpPr>
+        <p:spPr>
+          <a:xfrm>
+            <a:off x="2397125" y="1639570"/>
+            <a:ext cx="374650" cy="275590"/>
+          </a:xfrm>
+          <a:prstGeom prst="rect">
+            <a:avLst/>
+          </a:prstGeom>
+          <a:noFill/>
+        </p:spPr>
+        <p:txBody>
+          <a:bodyPr wrap="none" rtlCol="0">
+            <a:spAutoFit/>
+          </a:bodyPr>
+          <a:p>
+            <a:r>
+              <a:rPr lang="en-US" sz="1200"/>
+              <a:t>1,*</a:t>
+            </a:r>
+            <a:endParaRPr lang="en-US" sz="1200"/>
+          </a:p>
+        </p:txBody>
+      </p:sp>
+      <p:sp>
+        <p:nvSpPr>
+          <p:cNvPr id="75" name="Text Box 74"/>
+          <p:cNvSpPr txBox="1"/>
+          <p:nvPr/>
+        </p:nvSpPr>
+        <p:spPr>
+          <a:xfrm>
+            <a:off x="7058025" y="2074545"/>
+            <a:ext cx="375920" cy="275590"/>
+          </a:xfrm>
+          <a:prstGeom prst="rect">
+            <a:avLst/>
+          </a:prstGeom>
+          <a:noFill/>
+        </p:spPr>
+        <p:txBody>
+          <a:bodyPr wrap="none" rtlCol="0">
+            <a:spAutoFit/>
+          </a:bodyPr>
+          <a:p>
+            <a:r>
+              <a:rPr lang="en-US" sz="1200"/>
+              <a:t>1,1</a:t>
+            </a:r>
+            <a:endParaRPr lang="en-US" sz="1200"/>
+          </a:p>
+        </p:txBody>
+      </p:sp>
+      <p:sp>
+        <p:nvSpPr>
+          <p:cNvPr id="76" name="Text Box 75"/>
+          <p:cNvSpPr txBox="1"/>
+          <p:nvPr/>
+        </p:nvSpPr>
+        <p:spPr>
+          <a:xfrm>
+            <a:off x="1520190" y="4429125"/>
+            <a:ext cx="437515" cy="275590"/>
+          </a:xfrm>
+          <a:prstGeom prst="rect">
+            <a:avLst/>
+          </a:prstGeom>
+          <a:noFill/>
+        </p:spPr>
+        <p:txBody>
+          <a:bodyPr wrap="square" rtlCol="0">
+            <a:spAutoFit/>
+          </a:bodyPr>
+          <a:p>
+            <a:r>
+              <a:rPr lang="en-US" sz="1200"/>
+              <a:t>1,*</a:t>
+            </a:r>
+            <a:endParaRPr lang="en-US" sz="1200"/>
+          </a:p>
+        </p:txBody>
+      </p:sp>
+      <p:sp>
+        <p:nvSpPr>
+          <p:cNvPr id="77" name="Text Box 76"/>
+          <p:cNvSpPr txBox="1"/>
+          <p:nvPr/>
+        </p:nvSpPr>
+        <p:spPr>
+          <a:xfrm>
+            <a:off x="1520190" y="3689985"/>
+            <a:ext cx="437515" cy="275590"/>
+          </a:xfrm>
+          <a:prstGeom prst="rect">
+            <a:avLst/>
+          </a:prstGeom>
+          <a:noFill/>
+        </p:spPr>
+        <p:txBody>
+          <a:bodyPr wrap="square" rtlCol="0">
+            <a:spAutoFit/>
+          </a:bodyPr>
+          <a:p>
+            <a:r>
+              <a:rPr lang="en-US" sz="1200"/>
+              <a:t>1,1</a:t>
+            </a:r>
+            <a:endParaRPr lang="en-US" sz="1200"/>
           </a:p>
         </p:txBody>
       </p:sp>
       <p:cxnSp>
         <p:nvCxnSpPr>
-          <p:cNvPr id="32" name="Straight Connector 31"/>
+          <p:cNvPr id="2" name="Straight Connector 1"/>
           <p:cNvCxnSpPr>
-            <a:stCxn id="5" idx="3"/>
-            <a:endCxn id="37" idx="1"/>
+            <a:stCxn id="4" idx="1"/>
+            <a:endCxn id="31" idx="3"/>
           </p:cNvCxnSpPr>
           <p:nvPr/>
         </p:nvCxnSpPr>
         <p:spPr>
-          <a:xfrm>
-            <a:off x="4289425" y="2580640"/>
-            <a:ext cx="413385" cy="1905"/>
+          <a:xfrm flipH="1" flipV="1">
+            <a:off x="6383655" y="2581910"/>
+            <a:ext cx="377190" cy="1905"/>
           </a:xfrm>
           <a:prstGeom prst="line">
             <a:avLst/>
@@ -6407,17 +7709,14 @@
       </p:cxnSp>
       <p:cxnSp>
         <p:nvCxnSpPr>
-          <p:cNvPr id="33" name="Straight Connector 32"/>
-          <p:cNvCxnSpPr>
-            <a:stCxn id="30" idx="0"/>
-            <a:endCxn id="31" idx="2"/>
-          </p:cNvCxnSpPr>
+          <p:cNvPr id="3" name="Straight Connector 2"/>
+          <p:cNvCxnSpPr/>
           <p:nvPr/>
         </p:nvCxnSpPr>
         <p:spPr>
-          <a:xfrm flipV="1">
-            <a:off x="5586095" y="2813685"/>
-            <a:ext cx="9525" cy="458470"/>
+          <a:xfrm flipH="1" flipV="1">
+            <a:off x="7472680" y="1638300"/>
+            <a:ext cx="21590" cy="468630"/>
           </a:xfrm>
           <a:prstGeom prst="line">
             <a:avLst/>
@@ -6445,713 +7744,14 @@
       </p:cxnSp>
       <p:sp>
         <p:nvSpPr>
-          <p:cNvPr id="34" name="Text Box 33"/>
+          <p:cNvPr id="13" name="Text Box 12"/>
           <p:cNvSpPr txBox="1"/>
           <p:nvPr/>
         </p:nvSpPr>
         <p:spPr>
           <a:xfrm>
-            <a:off x="4215130" y="2538095"/>
-            <a:ext cx="487680" cy="275590"/>
-          </a:xfrm>
-          <a:prstGeom prst="rect">
-            <a:avLst/>
-          </a:prstGeom>
-          <a:noFill/>
-        </p:spPr>
-        <p:txBody>
-          <a:bodyPr wrap="square" rtlCol="0">
-            <a:spAutoFit/>
-          </a:bodyPr>
-          <a:p>
-            <a:r>
-              <a:rPr lang="en-US" sz="1200"/>
-              <a:t>1,*</a:t>
-            </a:r>
-            <a:endParaRPr lang="en-US" sz="1200"/>
-          </a:p>
-        </p:txBody>
-      </p:sp>
-      <p:sp>
-        <p:nvSpPr>
-          <p:cNvPr id="35" name="Text Box 34"/>
-          <p:cNvSpPr txBox="1"/>
-          <p:nvPr/>
-        </p:nvSpPr>
-        <p:spPr>
-          <a:xfrm>
-            <a:off x="5586095" y="2974975"/>
-            <a:ext cx="472440" cy="275590"/>
-          </a:xfrm>
-          <a:prstGeom prst="rect">
-            <a:avLst/>
-          </a:prstGeom>
-          <a:noFill/>
-        </p:spPr>
-        <p:txBody>
-          <a:bodyPr wrap="square" rtlCol="0">
-            <a:spAutoFit/>
-          </a:bodyPr>
-          <a:p>
-            <a:r>
-              <a:rPr lang="en-US" sz="1200"/>
-              <a:t>0,*</a:t>
-            </a:r>
-            <a:endParaRPr lang="en-US" sz="1200"/>
-          </a:p>
-        </p:txBody>
-      </p:sp>
-      <p:sp>
-        <p:nvSpPr>
-          <p:cNvPr id="37" name="Diamond 36"/>
-          <p:cNvSpPr/>
-          <p:nvPr/>
-        </p:nvSpPr>
-        <p:spPr>
-          <a:xfrm>
-            <a:off x="4702810" y="2307590"/>
-            <a:ext cx="1797685" cy="549275"/>
-          </a:xfrm>
-          <a:prstGeom prst="diamond">
-            <a:avLst/>
-          </a:prstGeom>
-          <a:noFill/>
-          <a:extLst>
-            <a:ext uri="{909E8E84-426E-40DD-AFC4-6F175D3DCCD1}">
-              <a14:hiddenFill xmlns:a14="http://schemas.microsoft.com/office/drawing/2010/main">
-                <a:solidFill>
-                  <a:schemeClr val="accent2"/>
-                </a:solidFill>
-              </a14:hiddenFill>
-            </a:ext>
-          </a:extLst>
-        </p:spPr>
-        <p:style>
-          <a:lnRef idx="2">
-            <a:schemeClr val="accent2">
-              <a:shade val="50000"/>
-            </a:schemeClr>
-          </a:lnRef>
-          <a:fillRef idx="1">
-            <a:schemeClr val="accent2"/>
-          </a:fillRef>
-          <a:effectRef idx="0">
-            <a:schemeClr val="accent2"/>
-          </a:effectRef>
-          <a:fontRef idx="minor">
-            <a:schemeClr val="lt1"/>
-          </a:fontRef>
-        </p:style>
-        <p:txBody>
-          <a:bodyPr lIns="0" rIns="36195" rtlCol="0" anchor="ctr"/>
-          <a:p>
-            <a:pPr algn="ctr"/>
-            <a:endParaRPr lang="en-US" sz="1000"/>
-          </a:p>
-        </p:txBody>
-      </p:sp>
-      <p:sp>
-        <p:nvSpPr>
-          <p:cNvPr id="40" name="Text Box 39"/>
-          <p:cNvSpPr txBox="1"/>
-          <p:nvPr/>
-        </p:nvSpPr>
-        <p:spPr>
-          <a:xfrm>
-            <a:off x="4170680" y="5796280"/>
-            <a:ext cx="2680970" cy="337185"/>
-          </a:xfrm>
-          <a:prstGeom prst="rect">
-            <a:avLst/>
-          </a:prstGeom>
-          <a:noFill/>
-        </p:spPr>
-        <p:txBody>
-          <a:bodyPr wrap="square" rtlCol="0">
-            <a:spAutoFit/>
-          </a:bodyPr>
-          <a:p>
-            <a:r>
-              <a:rPr lang="en-US" sz="1600">
-                <a:solidFill>
-                  <a:srgbClr val="0070C0"/>
-                </a:solidFill>
-              </a:rPr>
-              <a:t>JUGADOR EN POSICIÓN</a:t>
-            </a:r>
-            <a:endParaRPr lang="en-US" sz="1600">
-              <a:solidFill>
-                <a:srgbClr val="0070C0"/>
-              </a:solidFill>
-            </a:endParaRPr>
-          </a:p>
-        </p:txBody>
-      </p:sp>
-      <p:sp>
-        <p:nvSpPr>
-          <p:cNvPr id="41" name="Diamond 40"/>
-          <p:cNvSpPr/>
-          <p:nvPr/>
-        </p:nvSpPr>
-        <p:spPr>
-          <a:xfrm>
-            <a:off x="2868295" y="3305175"/>
-            <a:ext cx="1399540" cy="462915"/>
-          </a:xfrm>
-          <a:prstGeom prst="diamond">
-            <a:avLst/>
-          </a:prstGeom>
-        </p:spPr>
-        <p:style>
-          <a:lnRef idx="2">
-            <a:schemeClr val="accent2">
-              <a:shade val="50000"/>
-            </a:schemeClr>
-          </a:lnRef>
-          <a:fillRef idx="1">
-            <a:schemeClr val="accent2"/>
-          </a:fillRef>
-          <a:effectRef idx="0">
-            <a:schemeClr val="accent2"/>
-          </a:effectRef>
-          <a:fontRef idx="minor">
-            <a:schemeClr val="lt1"/>
-          </a:fontRef>
-        </p:style>
-        <p:txBody>
-          <a:bodyPr lIns="0" rIns="36195" rtlCol="0" anchor="ctr"/>
-          <a:p>
-            <a:pPr algn="ctr"/>
-            <a:r>
-              <a:rPr lang="en-US" sz="1000"/>
-              <a:t>Integrar</a:t>
-            </a:r>
-            <a:endParaRPr lang="en-US" sz="1000"/>
-          </a:p>
-        </p:txBody>
-      </p:sp>
-      <p:cxnSp>
-        <p:nvCxnSpPr>
-          <p:cNvPr id="42" name="Straight Connector 41"/>
-          <p:cNvCxnSpPr>
-            <a:stCxn id="41" idx="1"/>
-            <a:endCxn id="6" idx="3"/>
-          </p:cNvCxnSpPr>
-          <p:nvPr/>
-        </p:nvCxnSpPr>
-        <p:spPr>
-          <a:xfrm flipH="1" flipV="1">
-            <a:off x="2089785" y="3526155"/>
-            <a:ext cx="778510" cy="10795"/>
-          </a:xfrm>
-          <a:prstGeom prst="line">
-            <a:avLst/>
-          </a:prstGeom>
-          <a:ln w="28575">
-            <a:solidFill>
-              <a:schemeClr val="accent2"/>
-            </a:solidFill>
-          </a:ln>
-        </p:spPr>
-        <p:style>
-          <a:lnRef idx="1">
-            <a:schemeClr val="accent1"/>
-          </a:lnRef>
-          <a:fillRef idx="0">
-            <a:schemeClr val="accent1"/>
-          </a:fillRef>
-          <a:effectRef idx="0">
-            <a:schemeClr val="accent1"/>
-          </a:effectRef>
-          <a:fontRef idx="minor">
-            <a:schemeClr val="tx1"/>
-          </a:fontRef>
-        </p:style>
-      </p:cxnSp>
-      <p:cxnSp>
-        <p:nvCxnSpPr>
-          <p:cNvPr id="43" name="Straight Connector 42"/>
-          <p:cNvCxnSpPr>
-            <a:stCxn id="41" idx="0"/>
-            <a:endCxn id="5" idx="2"/>
-          </p:cNvCxnSpPr>
-          <p:nvPr/>
-        </p:nvCxnSpPr>
-        <p:spPr>
-          <a:xfrm flipV="1">
-            <a:off x="3568065" y="2777490"/>
-            <a:ext cx="6350" cy="527685"/>
-          </a:xfrm>
-          <a:prstGeom prst="line">
-            <a:avLst/>
-          </a:prstGeom>
-          <a:ln w="28575">
-            <a:solidFill>
-              <a:schemeClr val="accent2"/>
-            </a:solidFill>
-          </a:ln>
-        </p:spPr>
-        <p:style>
-          <a:lnRef idx="1">
-            <a:schemeClr val="accent1"/>
-          </a:lnRef>
-          <a:fillRef idx="0">
-            <a:schemeClr val="accent1"/>
-          </a:fillRef>
-          <a:effectRef idx="0">
-            <a:schemeClr val="accent1"/>
-          </a:effectRef>
-          <a:fontRef idx="minor">
-            <a:schemeClr val="tx1"/>
-          </a:fontRef>
-        </p:style>
-      </p:cxnSp>
-      <p:sp>
-        <p:nvSpPr>
-          <p:cNvPr id="44" name="Rectangles 43"/>
-          <p:cNvSpPr/>
-          <p:nvPr/>
-        </p:nvSpPr>
-        <p:spPr>
-          <a:xfrm>
-            <a:off x="2956560" y="5238115"/>
-            <a:ext cx="1249045" cy="399415"/>
-          </a:xfrm>
-          <a:prstGeom prst="rect">
-            <a:avLst/>
-          </a:prstGeom>
-        </p:spPr>
-        <p:style>
-          <a:lnRef idx="2">
-            <a:schemeClr val="accent1">
-              <a:shade val="50000"/>
-            </a:schemeClr>
-          </a:lnRef>
-          <a:fillRef idx="1">
-            <a:schemeClr val="accent1"/>
-          </a:fillRef>
-          <a:effectRef idx="0">
-            <a:schemeClr val="accent1"/>
-          </a:effectRef>
-          <a:fontRef idx="minor">
-            <a:schemeClr val="lt1"/>
-          </a:fontRef>
-        </p:style>
-        <p:txBody>
-          <a:bodyPr rtlCol="0" anchor="ctr"/>
-          <a:p>
-            <a:pPr algn="ctr"/>
-            <a:r>
-              <a:rPr lang="en-US" sz="1200"/>
-              <a:t>JUGADOR</a:t>
-            </a:r>
-            <a:endParaRPr lang="en-US" sz="1200"/>
-          </a:p>
-        </p:txBody>
-      </p:sp>
-      <p:cxnSp>
-        <p:nvCxnSpPr>
-          <p:cNvPr id="45" name="Straight Connector 44"/>
-          <p:cNvCxnSpPr>
-            <a:stCxn id="41" idx="2"/>
-            <a:endCxn id="44" idx="0"/>
-          </p:cNvCxnSpPr>
-          <p:nvPr/>
-        </p:nvCxnSpPr>
-        <p:spPr>
-          <a:xfrm>
-            <a:off x="3568065" y="3768090"/>
-            <a:ext cx="12700" cy="1470025"/>
-          </a:xfrm>
-          <a:prstGeom prst="line">
-            <a:avLst/>
-          </a:prstGeom>
-          <a:ln w="28575">
-            <a:solidFill>
-              <a:schemeClr val="accent2"/>
-            </a:solidFill>
-          </a:ln>
-        </p:spPr>
-        <p:style>
-          <a:lnRef idx="1">
-            <a:schemeClr val="accent1"/>
-          </a:lnRef>
-          <a:fillRef idx="0">
-            <a:schemeClr val="accent1"/>
-          </a:fillRef>
-          <a:effectRef idx="0">
-            <a:schemeClr val="accent1"/>
-          </a:effectRef>
-          <a:fontRef idx="minor">
-            <a:schemeClr val="tx1"/>
-          </a:fontRef>
-        </p:style>
-      </p:cxnSp>
-      <p:sp>
-        <p:nvSpPr>
-          <p:cNvPr id="46" name="Diamond 45"/>
-          <p:cNvSpPr/>
-          <p:nvPr/>
-        </p:nvSpPr>
-        <p:spPr>
-          <a:xfrm>
-            <a:off x="890905" y="3965575"/>
-            <a:ext cx="1399540" cy="462915"/>
-          </a:xfrm>
-          <a:prstGeom prst="diamond">
-            <a:avLst/>
-          </a:prstGeom>
-        </p:spPr>
-        <p:style>
-          <a:lnRef idx="2">
-            <a:schemeClr val="accent2">
-              <a:shade val="50000"/>
-            </a:schemeClr>
-          </a:lnRef>
-          <a:fillRef idx="1">
-            <a:schemeClr val="accent2"/>
-          </a:fillRef>
-          <a:effectRef idx="0">
-            <a:schemeClr val="accent2"/>
-          </a:effectRef>
-          <a:fontRef idx="minor">
-            <a:schemeClr val="lt1"/>
-          </a:fontRef>
-        </p:style>
-        <p:txBody>
-          <a:bodyPr lIns="0" rIns="36195" rtlCol="0" anchor="ctr"/>
-          <a:p>
-            <a:pPr algn="ctr"/>
-            <a:r>
-              <a:rPr lang="en-US" sz="1000"/>
-              <a:t>Tener</a:t>
-            </a:r>
-            <a:endParaRPr lang="en-US" sz="1000"/>
-          </a:p>
-        </p:txBody>
-      </p:sp>
-      <p:cxnSp>
-        <p:nvCxnSpPr>
-          <p:cNvPr id="47" name="Straight Connector 46"/>
-          <p:cNvCxnSpPr>
-            <a:stCxn id="19" idx="0"/>
-            <a:endCxn id="46" idx="2"/>
-          </p:cNvCxnSpPr>
-          <p:nvPr/>
-        </p:nvCxnSpPr>
-        <p:spPr>
-          <a:xfrm flipV="1">
-            <a:off x="1587500" y="4429125"/>
-            <a:ext cx="3175" cy="240665"/>
-          </a:xfrm>
-          <a:prstGeom prst="line">
-            <a:avLst/>
-          </a:prstGeom>
-          <a:ln w="28575">
-            <a:solidFill>
-              <a:schemeClr val="accent2"/>
-            </a:solidFill>
-          </a:ln>
-        </p:spPr>
-        <p:style>
-          <a:lnRef idx="1">
-            <a:schemeClr val="accent1"/>
-          </a:lnRef>
-          <a:fillRef idx="0">
-            <a:schemeClr val="accent1"/>
-          </a:fillRef>
-          <a:effectRef idx="0">
-            <a:schemeClr val="accent1"/>
-          </a:effectRef>
-          <a:fontRef idx="minor">
-            <a:schemeClr val="tx1"/>
-          </a:fontRef>
-        </p:style>
-      </p:cxnSp>
-      <p:cxnSp>
-        <p:nvCxnSpPr>
-          <p:cNvPr id="48" name="Straight Connector 47"/>
-          <p:cNvCxnSpPr>
-            <a:stCxn id="46" idx="0"/>
-            <a:endCxn id="6" idx="2"/>
-          </p:cNvCxnSpPr>
-          <p:nvPr/>
-        </p:nvCxnSpPr>
-        <p:spPr>
-          <a:xfrm flipH="1" flipV="1">
-            <a:off x="1588770" y="3725545"/>
-            <a:ext cx="2540" cy="240665"/>
-          </a:xfrm>
-          <a:prstGeom prst="line">
-            <a:avLst/>
-          </a:prstGeom>
-          <a:ln w="28575">
-            <a:solidFill>
-              <a:schemeClr val="accent2"/>
-            </a:solidFill>
-          </a:ln>
-        </p:spPr>
-        <p:style>
-          <a:lnRef idx="1">
-            <a:schemeClr val="accent1"/>
-          </a:lnRef>
-          <a:fillRef idx="0">
-            <a:schemeClr val="accent1"/>
-          </a:fillRef>
-          <a:effectRef idx="0">
-            <a:schemeClr val="accent1"/>
-          </a:effectRef>
-          <a:fontRef idx="minor">
-            <a:schemeClr val="tx1"/>
-          </a:fontRef>
-        </p:style>
-      </p:cxnSp>
-      <p:sp>
-        <p:nvSpPr>
-          <p:cNvPr id="49" name="Diamond 48"/>
-          <p:cNvSpPr/>
-          <p:nvPr/>
-        </p:nvSpPr>
-        <p:spPr>
-          <a:xfrm>
-            <a:off x="898525" y="2450465"/>
-            <a:ext cx="1399540" cy="462915"/>
-          </a:xfrm>
-          <a:prstGeom prst="diamond">
-            <a:avLst/>
-          </a:prstGeom>
-        </p:spPr>
-        <p:style>
-          <a:lnRef idx="2">
-            <a:schemeClr val="accent2">
-              <a:shade val="50000"/>
-            </a:schemeClr>
-          </a:lnRef>
-          <a:fillRef idx="1">
-            <a:schemeClr val="accent2"/>
-          </a:fillRef>
-          <a:effectRef idx="0">
-            <a:schemeClr val="accent2"/>
-          </a:effectRef>
-          <a:fontRef idx="minor">
-            <a:schemeClr val="lt1"/>
-          </a:fontRef>
-        </p:style>
-        <p:txBody>
-          <a:bodyPr lIns="0" rIns="36195" rtlCol="0" anchor="ctr"/>
-          <a:p>
-            <a:pPr algn="ctr"/>
-            <a:r>
-              <a:rPr lang="en-US" sz="1000"/>
-              <a:t>Enfrentar</a:t>
-            </a:r>
-            <a:endParaRPr lang="en-US" sz="1000"/>
-          </a:p>
-        </p:txBody>
-      </p:sp>
-      <p:cxnSp>
-        <p:nvCxnSpPr>
-          <p:cNvPr id="50" name="Straight Connector 49"/>
-          <p:cNvCxnSpPr>
-            <a:stCxn id="49" idx="2"/>
-            <a:endCxn id="6" idx="0"/>
-          </p:cNvCxnSpPr>
-          <p:nvPr/>
-        </p:nvCxnSpPr>
-        <p:spPr>
-          <a:xfrm flipH="1">
-            <a:off x="1588770" y="2914015"/>
-            <a:ext cx="9525" cy="412115"/>
-          </a:xfrm>
-          <a:prstGeom prst="line">
-            <a:avLst/>
-          </a:prstGeom>
-          <a:ln w="28575">
-            <a:solidFill>
-              <a:schemeClr val="accent2"/>
-            </a:solidFill>
-          </a:ln>
-        </p:spPr>
-        <p:style>
-          <a:lnRef idx="1">
-            <a:schemeClr val="accent1"/>
-          </a:lnRef>
-          <a:fillRef idx="0">
-            <a:schemeClr val="accent1"/>
-          </a:fillRef>
-          <a:effectRef idx="0">
-            <a:schemeClr val="accent1"/>
-          </a:effectRef>
-          <a:fontRef idx="minor">
-            <a:schemeClr val="tx1"/>
-          </a:fontRef>
-        </p:style>
-      </p:cxnSp>
-      <p:cxnSp>
-        <p:nvCxnSpPr>
-          <p:cNvPr id="51" name="Straight Connector 50"/>
-          <p:cNvCxnSpPr>
-            <a:stCxn id="49" idx="1"/>
-          </p:cNvCxnSpPr>
-          <p:nvPr/>
-        </p:nvCxnSpPr>
-        <p:spPr>
-          <a:xfrm>
-            <a:off x="898525" y="2682240"/>
-            <a:ext cx="10160" cy="835025"/>
-          </a:xfrm>
-          <a:prstGeom prst="line">
-            <a:avLst/>
-          </a:prstGeom>
-          <a:ln w="28575">
-            <a:solidFill>
-              <a:schemeClr val="accent2"/>
-            </a:solidFill>
-          </a:ln>
-        </p:spPr>
-        <p:style>
-          <a:lnRef idx="1">
-            <a:schemeClr val="accent1"/>
-          </a:lnRef>
-          <a:fillRef idx="0">
-            <a:schemeClr val="accent1"/>
-          </a:fillRef>
-          <a:effectRef idx="0">
-            <a:schemeClr val="accent1"/>
-          </a:effectRef>
-          <a:fontRef idx="minor">
-            <a:schemeClr val="tx1"/>
-          </a:fontRef>
-        </p:style>
-      </p:cxnSp>
-      <p:cxnSp>
-        <p:nvCxnSpPr>
-          <p:cNvPr id="52" name="Straight Connector 51"/>
-          <p:cNvCxnSpPr>
-            <a:stCxn id="6" idx="1"/>
-          </p:cNvCxnSpPr>
-          <p:nvPr/>
-        </p:nvCxnSpPr>
-        <p:spPr>
-          <a:xfrm flipH="1" flipV="1">
-            <a:off x="897255" y="3517265"/>
-            <a:ext cx="189230" cy="8890"/>
-          </a:xfrm>
-          <a:prstGeom prst="line">
-            <a:avLst/>
-          </a:prstGeom>
-          <a:ln w="28575">
-            <a:solidFill>
-              <a:schemeClr val="accent2"/>
-            </a:solidFill>
-          </a:ln>
-        </p:spPr>
-        <p:style>
-          <a:lnRef idx="1">
-            <a:schemeClr val="accent1"/>
-          </a:lnRef>
-          <a:fillRef idx="0">
-            <a:schemeClr val="accent1"/>
-          </a:fillRef>
-          <a:effectRef idx="0">
-            <a:schemeClr val="accent1"/>
-          </a:effectRef>
-          <a:fontRef idx="minor">
-            <a:schemeClr val="tx1"/>
-          </a:fontRef>
-        </p:style>
-      </p:cxnSp>
-      <p:sp>
-        <p:nvSpPr>
-          <p:cNvPr id="53" name="Rectangles 52"/>
-          <p:cNvSpPr/>
-          <p:nvPr/>
-        </p:nvSpPr>
-        <p:spPr>
-          <a:xfrm>
-            <a:off x="1096645" y="1772920"/>
-            <a:ext cx="1003300" cy="399415"/>
-          </a:xfrm>
-          <a:prstGeom prst="rect">
-            <a:avLst/>
-          </a:prstGeom>
-        </p:spPr>
-        <p:style>
-          <a:lnRef idx="2">
-            <a:schemeClr val="accent1">
-              <a:shade val="50000"/>
-            </a:schemeClr>
-          </a:lnRef>
-          <a:fillRef idx="1">
-            <a:schemeClr val="accent1"/>
-          </a:fillRef>
-          <a:effectRef idx="0">
-            <a:schemeClr val="accent1"/>
-          </a:effectRef>
-          <a:fontRef idx="minor">
-            <a:schemeClr val="lt1"/>
-          </a:fontRef>
-        </p:style>
-        <p:txBody>
-          <a:bodyPr rtlCol="0" anchor="ctr"/>
-          <a:p>
-            <a:pPr algn="ctr"/>
-            <a:r>
-              <a:rPr lang="en-US" sz="1200"/>
-              <a:t>FECHA</a:t>
-            </a:r>
-            <a:endParaRPr lang="en-US" sz="1200"/>
-          </a:p>
-        </p:txBody>
-      </p:sp>
-      <p:cxnSp>
-        <p:nvCxnSpPr>
-          <p:cNvPr id="54" name="Straight Connector 53"/>
-          <p:cNvCxnSpPr>
-            <a:stCxn id="49" idx="0"/>
-            <a:endCxn id="53" idx="2"/>
-          </p:cNvCxnSpPr>
-          <p:nvPr/>
-        </p:nvCxnSpPr>
-        <p:spPr>
-          <a:xfrm flipV="1">
-            <a:off x="1598295" y="2172335"/>
-            <a:ext cx="635" cy="278765"/>
-          </a:xfrm>
-          <a:prstGeom prst="line">
-            <a:avLst/>
-          </a:prstGeom>
-          <a:ln w="28575">
-            <a:solidFill>
-              <a:schemeClr val="accent2"/>
-            </a:solidFill>
-          </a:ln>
-        </p:spPr>
-        <p:style>
-          <a:lnRef idx="1">
-            <a:schemeClr val="accent1"/>
-          </a:lnRef>
-          <a:fillRef idx="0">
-            <a:schemeClr val="accent1"/>
-          </a:fillRef>
-          <a:effectRef idx="0">
-            <a:schemeClr val="accent1"/>
-          </a:effectRef>
-          <a:fontRef idx="minor">
-            <a:schemeClr val="tx1"/>
-          </a:fontRef>
-        </p:style>
-      </p:cxnSp>
-      <p:sp>
-        <p:nvSpPr>
-          <p:cNvPr id="58" name="Text Box 57"/>
-          <p:cNvSpPr txBox="1"/>
-          <p:nvPr/>
-        </p:nvSpPr>
-        <p:spPr>
-          <a:xfrm>
-            <a:off x="1160780" y="1374140"/>
-            <a:ext cx="876300" cy="398780"/>
+            <a:off x="4544695" y="2783205"/>
+            <a:ext cx="3463925" cy="398780"/>
           </a:xfrm>
           <a:prstGeom prst="rect">
             <a:avLst/>
@@ -7169,596 +7769,13 @@
                   <a:srgbClr val="0070C0"/>
                 </a:solidFill>
               </a:rPr>
-              <a:t>JUEGO</a:t>
+              <a:t>COMPETENCIA EN TEMPORADA</a:t>
             </a:r>
             <a:endParaRPr lang="en-US" sz="2000">
               <a:solidFill>
                 <a:srgbClr val="0070C0"/>
               </a:solidFill>
             </a:endParaRPr>
-          </a:p>
-        </p:txBody>
-      </p:sp>
-      <p:cxnSp>
-        <p:nvCxnSpPr>
-          <p:cNvPr id="60" name="Straight Connector 59"/>
-          <p:cNvCxnSpPr>
-            <a:stCxn id="57" idx="2"/>
-            <a:endCxn id="63" idx="1"/>
-          </p:cNvCxnSpPr>
-          <p:nvPr/>
-        </p:nvCxnSpPr>
-        <p:spPr>
-          <a:xfrm flipV="1">
-            <a:off x="2410460" y="1639570"/>
-            <a:ext cx="2625090" cy="5715"/>
-          </a:xfrm>
-          <a:prstGeom prst="line">
-            <a:avLst/>
-          </a:prstGeom>
-          <a:ln w="28575">
-            <a:solidFill>
-              <a:schemeClr val="accent2"/>
-            </a:solidFill>
-          </a:ln>
-        </p:spPr>
-        <p:style>
-          <a:lnRef idx="1">
-            <a:schemeClr val="accent1"/>
-          </a:lnRef>
-          <a:fillRef idx="0">
-            <a:schemeClr val="accent1"/>
-          </a:fillRef>
-          <a:effectRef idx="0">
-            <a:schemeClr val="accent1"/>
-          </a:effectRef>
-          <a:fontRef idx="minor">
-            <a:schemeClr val="tx1"/>
-          </a:fontRef>
-        </p:style>
-      </p:cxnSp>
-      <p:cxnSp>
-        <p:nvCxnSpPr>
-          <p:cNvPr id="61" name="Straight Connector 60"/>
-          <p:cNvCxnSpPr/>
-          <p:nvPr/>
-        </p:nvCxnSpPr>
-        <p:spPr>
-          <a:xfrm>
-            <a:off x="7172960" y="1619885"/>
-            <a:ext cx="0" cy="1943100"/>
-          </a:xfrm>
-          <a:prstGeom prst="line">
-            <a:avLst/>
-          </a:prstGeom>
-          <a:ln w="28575">
-            <a:solidFill>
-              <a:schemeClr val="accent2"/>
-            </a:solidFill>
-          </a:ln>
-        </p:spPr>
-        <p:style>
-          <a:lnRef idx="1">
-            <a:schemeClr val="accent1"/>
-          </a:lnRef>
-          <a:fillRef idx="0">
-            <a:schemeClr val="accent1"/>
-          </a:fillRef>
-          <a:effectRef idx="0">
-            <a:schemeClr val="accent1"/>
-          </a:effectRef>
-          <a:fontRef idx="minor">
-            <a:schemeClr val="tx1"/>
-          </a:fontRef>
-        </p:style>
-      </p:cxnSp>
-      <p:cxnSp>
-        <p:nvCxnSpPr>
-          <p:cNvPr id="62" name="Straight Connector 61"/>
-          <p:cNvCxnSpPr>
-            <a:endCxn id="30" idx="3"/>
-          </p:cNvCxnSpPr>
-          <p:nvPr/>
-        </p:nvCxnSpPr>
-        <p:spPr>
-          <a:xfrm flipH="1" flipV="1">
-            <a:off x="6363970" y="3536950"/>
-            <a:ext cx="808990" cy="635"/>
-          </a:xfrm>
-          <a:prstGeom prst="line">
-            <a:avLst/>
-          </a:prstGeom>
-          <a:ln w="28575">
-            <a:solidFill>
-              <a:schemeClr val="accent2"/>
-            </a:solidFill>
-          </a:ln>
-        </p:spPr>
-        <p:style>
-          <a:lnRef idx="1">
-            <a:schemeClr val="accent1"/>
-          </a:lnRef>
-          <a:fillRef idx="0">
-            <a:schemeClr val="accent1"/>
-          </a:fillRef>
-          <a:effectRef idx="0">
-            <a:schemeClr val="accent1"/>
-          </a:effectRef>
-          <a:fontRef idx="minor">
-            <a:schemeClr val="tx1"/>
-          </a:fontRef>
-        </p:style>
-      </p:cxnSp>
-      <p:sp>
-        <p:nvSpPr>
-          <p:cNvPr id="63" name="Diamond 62"/>
-          <p:cNvSpPr/>
-          <p:nvPr/>
-        </p:nvSpPr>
-        <p:spPr>
-          <a:xfrm>
-            <a:off x="5035550" y="1407795"/>
-            <a:ext cx="1132840" cy="462915"/>
-          </a:xfrm>
-          <a:prstGeom prst="diamond">
-            <a:avLst/>
-          </a:prstGeom>
-        </p:spPr>
-        <p:style>
-          <a:lnRef idx="2">
-            <a:schemeClr val="accent2">
-              <a:shade val="50000"/>
-            </a:schemeClr>
-          </a:lnRef>
-          <a:fillRef idx="1">
-            <a:schemeClr val="accent2"/>
-          </a:fillRef>
-          <a:effectRef idx="0">
-            <a:schemeClr val="accent2"/>
-          </a:effectRef>
-          <a:fontRef idx="minor">
-            <a:schemeClr val="lt1"/>
-          </a:fontRef>
-        </p:style>
-        <p:txBody>
-          <a:bodyPr lIns="0" rIns="36195" rtlCol="0" anchor="ctr"/>
-          <a:p>
-            <a:pPr algn="ctr"/>
-            <a:r>
-              <a:rPr lang="en-US" sz="1000"/>
-              <a:t>Realizar</a:t>
-            </a:r>
-            <a:endParaRPr lang="en-US" sz="1000"/>
-          </a:p>
-        </p:txBody>
-      </p:sp>
-      <p:cxnSp>
-        <p:nvCxnSpPr>
-          <p:cNvPr id="64" name="Straight Connector 63"/>
-          <p:cNvCxnSpPr>
-            <a:endCxn id="63" idx="3"/>
-          </p:cNvCxnSpPr>
-          <p:nvPr/>
-        </p:nvCxnSpPr>
-        <p:spPr>
-          <a:xfrm flipH="1" flipV="1">
-            <a:off x="6168390" y="1639570"/>
-            <a:ext cx="1004570" cy="5715"/>
-          </a:xfrm>
-          <a:prstGeom prst="line">
-            <a:avLst/>
-          </a:prstGeom>
-          <a:ln w="28575">
-            <a:solidFill>
-              <a:schemeClr val="accent2"/>
-            </a:solidFill>
-          </a:ln>
-        </p:spPr>
-        <p:style>
-          <a:lnRef idx="1">
-            <a:schemeClr val="accent1"/>
-          </a:lnRef>
-          <a:fillRef idx="0">
-            <a:schemeClr val="accent1"/>
-          </a:fillRef>
-          <a:effectRef idx="0">
-            <a:schemeClr val="accent1"/>
-          </a:effectRef>
-          <a:fontRef idx="minor">
-            <a:schemeClr val="tx1"/>
-          </a:fontRef>
-        </p:style>
-      </p:cxnSp>
-      <p:sp>
-        <p:nvSpPr>
-          <p:cNvPr id="65" name="Rectangles 64"/>
-          <p:cNvSpPr/>
-          <p:nvPr/>
-        </p:nvSpPr>
-        <p:spPr>
-          <a:xfrm>
-            <a:off x="925195" y="4629150"/>
-            <a:ext cx="1332865" cy="508000"/>
-          </a:xfrm>
-          <a:prstGeom prst="rect">
-            <a:avLst/>
-          </a:prstGeom>
-          <a:noFill/>
-          <a:ln w="28575">
-            <a:solidFill>
-              <a:srgbClr val="0070C0"/>
-            </a:solidFill>
-          </a:ln>
-          <a:extLst>
-            <a:ext uri="{909E8E84-426E-40DD-AFC4-6F175D3DCCD1}">
-              <a14:hiddenFill xmlns:a14="http://schemas.microsoft.com/office/drawing/2010/main">
-                <a:solidFill>
-                  <a:schemeClr val="accent1"/>
-                </a:solidFill>
-              </a14:hiddenFill>
-            </a:ext>
-          </a:extLst>
-        </p:spPr>
-        <p:style>
-          <a:lnRef idx="2">
-            <a:schemeClr val="accent1">
-              <a:shade val="50000"/>
-            </a:schemeClr>
-          </a:lnRef>
-          <a:fillRef idx="1">
-            <a:schemeClr val="accent1"/>
-          </a:fillRef>
-          <a:effectRef idx="0">
-            <a:schemeClr val="accent1"/>
-          </a:effectRef>
-          <a:fontRef idx="minor">
-            <a:schemeClr val="lt1"/>
-          </a:fontRef>
-        </p:style>
-        <p:txBody>
-          <a:bodyPr rtlCol="0" anchor="ctr"/>
-          <a:p>
-            <a:pPr algn="ctr"/>
-            <a:endParaRPr lang="en-US"/>
-          </a:p>
-        </p:txBody>
-      </p:sp>
-      <p:sp>
-        <p:nvSpPr>
-          <p:cNvPr id="66" name="Diamond 65"/>
-          <p:cNvSpPr/>
-          <p:nvPr/>
-        </p:nvSpPr>
-        <p:spPr>
-          <a:xfrm>
-            <a:off x="784225" y="3922395"/>
-            <a:ext cx="1612900" cy="549275"/>
-          </a:xfrm>
-          <a:prstGeom prst="diamond">
-            <a:avLst/>
-          </a:prstGeom>
-          <a:noFill/>
-          <a:extLst>
-            <a:ext uri="{909E8E84-426E-40DD-AFC4-6F175D3DCCD1}">
-              <a14:hiddenFill xmlns:a14="http://schemas.microsoft.com/office/drawing/2010/main">
-                <a:solidFill>
-                  <a:schemeClr val="accent2"/>
-                </a:solidFill>
-              </a14:hiddenFill>
-            </a:ext>
-          </a:extLst>
-        </p:spPr>
-        <p:style>
-          <a:lnRef idx="2">
-            <a:schemeClr val="accent2">
-              <a:shade val="50000"/>
-            </a:schemeClr>
-          </a:lnRef>
-          <a:fillRef idx="1">
-            <a:schemeClr val="accent2"/>
-          </a:fillRef>
-          <a:effectRef idx="0">
-            <a:schemeClr val="accent2"/>
-          </a:effectRef>
-          <a:fontRef idx="minor">
-            <a:schemeClr val="lt1"/>
-          </a:fontRef>
-        </p:style>
-        <p:txBody>
-          <a:bodyPr lIns="0" rIns="36195" rtlCol="0" anchor="ctr"/>
-          <a:p>
-            <a:pPr algn="ctr"/>
-            <a:endParaRPr lang="en-US" sz="1000"/>
-          </a:p>
-        </p:txBody>
-      </p:sp>
-      <p:sp>
-        <p:nvSpPr>
-          <p:cNvPr id="67" name="Text Box 66"/>
-          <p:cNvSpPr txBox="1"/>
-          <p:nvPr/>
-        </p:nvSpPr>
-        <p:spPr>
-          <a:xfrm>
-            <a:off x="3568065" y="4962525"/>
-            <a:ext cx="413385" cy="275590"/>
-          </a:xfrm>
-          <a:prstGeom prst="rect">
-            <a:avLst/>
-          </a:prstGeom>
-          <a:noFill/>
-        </p:spPr>
-        <p:txBody>
-          <a:bodyPr wrap="square" rtlCol="0">
-            <a:spAutoFit/>
-          </a:bodyPr>
-          <a:p>
-            <a:r>
-              <a:rPr lang="en-US" sz="1200"/>
-              <a:t>1,*</a:t>
-            </a:r>
-            <a:endParaRPr lang="en-US" sz="1200"/>
-          </a:p>
-        </p:txBody>
-      </p:sp>
-      <p:sp>
-        <p:nvSpPr>
-          <p:cNvPr id="68" name="Text Box 67"/>
-          <p:cNvSpPr txBox="1"/>
-          <p:nvPr/>
-        </p:nvSpPr>
-        <p:spPr>
-          <a:xfrm>
-            <a:off x="3228975" y="2777490"/>
-            <a:ext cx="437515" cy="275590"/>
-          </a:xfrm>
-          <a:prstGeom prst="rect">
-            <a:avLst/>
-          </a:prstGeom>
-          <a:noFill/>
-        </p:spPr>
-        <p:txBody>
-          <a:bodyPr wrap="square" rtlCol="0">
-            <a:spAutoFit/>
-          </a:bodyPr>
-          <a:p>
-            <a:r>
-              <a:rPr lang="en-US" sz="1200"/>
-              <a:t>0,*</a:t>
-            </a:r>
-            <a:endParaRPr lang="en-US" sz="1200"/>
-          </a:p>
-        </p:txBody>
-      </p:sp>
-      <p:sp>
-        <p:nvSpPr>
-          <p:cNvPr id="69" name="Text Box 68"/>
-          <p:cNvSpPr txBox="1"/>
-          <p:nvPr/>
-        </p:nvSpPr>
-        <p:spPr>
-          <a:xfrm>
-            <a:off x="2037080" y="3492500"/>
-            <a:ext cx="437515" cy="275590"/>
-          </a:xfrm>
-          <a:prstGeom prst="rect">
-            <a:avLst/>
-          </a:prstGeom>
-          <a:noFill/>
-        </p:spPr>
-        <p:txBody>
-          <a:bodyPr wrap="square" rtlCol="0">
-            <a:spAutoFit/>
-          </a:bodyPr>
-          <a:p>
-            <a:r>
-              <a:rPr lang="en-US" sz="1200"/>
-              <a:t>0,1</a:t>
-            </a:r>
-            <a:endParaRPr lang="en-US" sz="1200"/>
-          </a:p>
-        </p:txBody>
-      </p:sp>
-      <p:sp>
-        <p:nvSpPr>
-          <p:cNvPr id="70" name="Text Box 69"/>
-          <p:cNvSpPr txBox="1"/>
-          <p:nvPr/>
-        </p:nvSpPr>
-        <p:spPr>
-          <a:xfrm>
-            <a:off x="1520190" y="3056255"/>
-            <a:ext cx="437515" cy="275590"/>
-          </a:xfrm>
-          <a:prstGeom prst="rect">
-            <a:avLst/>
-          </a:prstGeom>
-          <a:noFill/>
-        </p:spPr>
-        <p:txBody>
-          <a:bodyPr wrap="square" rtlCol="0">
-            <a:spAutoFit/>
-          </a:bodyPr>
-          <a:p>
-            <a:r>
-              <a:rPr lang="en-US" sz="1200"/>
-              <a:t>0,1</a:t>
-            </a:r>
-            <a:endParaRPr lang="en-US" sz="1200"/>
-          </a:p>
-        </p:txBody>
-      </p:sp>
-      <p:sp>
-        <p:nvSpPr>
-          <p:cNvPr id="71" name="Text Box 70"/>
-          <p:cNvSpPr txBox="1"/>
-          <p:nvPr/>
-        </p:nvSpPr>
-        <p:spPr>
-          <a:xfrm>
-            <a:off x="773430" y="3492500"/>
-            <a:ext cx="437515" cy="275590"/>
-          </a:xfrm>
-          <a:prstGeom prst="rect">
-            <a:avLst/>
-          </a:prstGeom>
-          <a:noFill/>
-        </p:spPr>
-        <p:txBody>
-          <a:bodyPr wrap="square" rtlCol="0">
-            <a:spAutoFit/>
-          </a:bodyPr>
-          <a:p>
-            <a:r>
-              <a:rPr lang="en-US" sz="1200"/>
-              <a:t>0,1</a:t>
-            </a:r>
-            <a:endParaRPr lang="en-US" sz="1200"/>
-          </a:p>
-        </p:txBody>
-      </p:sp>
-      <p:sp>
-        <p:nvSpPr>
-          <p:cNvPr id="72" name="Text Box 71"/>
-          <p:cNvSpPr txBox="1"/>
-          <p:nvPr/>
-        </p:nvSpPr>
-        <p:spPr>
-          <a:xfrm>
-            <a:off x="1587500" y="2108200"/>
-            <a:ext cx="437515" cy="275590"/>
-          </a:xfrm>
-          <a:prstGeom prst="rect">
-            <a:avLst/>
-          </a:prstGeom>
-          <a:noFill/>
-        </p:spPr>
-        <p:txBody>
-          <a:bodyPr wrap="square" rtlCol="0">
-            <a:spAutoFit/>
-          </a:bodyPr>
-          <a:p>
-            <a:r>
-              <a:rPr lang="en-US" sz="1200"/>
-              <a:t>1,*</a:t>
-            </a:r>
-            <a:endParaRPr lang="en-US" sz="1200"/>
-          </a:p>
-        </p:txBody>
-      </p:sp>
-      <p:sp>
-        <p:nvSpPr>
-          <p:cNvPr id="73" name="Text Box 72"/>
-          <p:cNvSpPr txBox="1"/>
-          <p:nvPr/>
-        </p:nvSpPr>
-        <p:spPr>
-          <a:xfrm>
-            <a:off x="2397125" y="1639570"/>
-            <a:ext cx="374650" cy="275590"/>
-          </a:xfrm>
-          <a:prstGeom prst="rect">
-            <a:avLst/>
-          </a:prstGeom>
-          <a:noFill/>
-        </p:spPr>
-        <p:txBody>
-          <a:bodyPr wrap="none" rtlCol="0">
-            <a:spAutoFit/>
-          </a:bodyPr>
-          <a:p>
-            <a:r>
-              <a:rPr lang="en-US" sz="1200"/>
-              <a:t>1,*</a:t>
-            </a:r>
-            <a:endParaRPr lang="en-US" sz="1200"/>
-          </a:p>
-        </p:txBody>
-      </p:sp>
-      <p:sp>
-        <p:nvSpPr>
-          <p:cNvPr id="75" name="Text Box 74"/>
-          <p:cNvSpPr txBox="1"/>
-          <p:nvPr/>
-        </p:nvSpPr>
-        <p:spPr>
-          <a:xfrm>
-            <a:off x="6306820" y="3287395"/>
-            <a:ext cx="375920" cy="275590"/>
-          </a:xfrm>
-          <a:prstGeom prst="rect">
-            <a:avLst/>
-          </a:prstGeom>
-          <a:noFill/>
-        </p:spPr>
-        <p:txBody>
-          <a:bodyPr wrap="none" rtlCol="0">
-            <a:spAutoFit/>
-          </a:bodyPr>
-          <a:p>
-            <a:r>
-              <a:rPr lang="en-US" sz="1200"/>
-              <a:t>1,1</a:t>
-            </a:r>
-            <a:endParaRPr lang="en-US" sz="1200"/>
-          </a:p>
-        </p:txBody>
-      </p:sp>
-      <p:sp>
-        <p:nvSpPr>
-          <p:cNvPr id="76" name="Text Box 75"/>
-          <p:cNvSpPr txBox="1"/>
-          <p:nvPr/>
-        </p:nvSpPr>
-        <p:spPr>
-          <a:xfrm>
-            <a:off x="1520190" y="4429125"/>
-            <a:ext cx="437515" cy="275590"/>
-          </a:xfrm>
-          <a:prstGeom prst="rect">
-            <a:avLst/>
-          </a:prstGeom>
-          <a:noFill/>
-        </p:spPr>
-        <p:txBody>
-          <a:bodyPr wrap="square" rtlCol="0">
-            <a:spAutoFit/>
-          </a:bodyPr>
-          <a:p>
-            <a:r>
-              <a:rPr lang="en-US" sz="1200"/>
-              <a:t>1,*</a:t>
-            </a:r>
-            <a:endParaRPr lang="en-US" sz="1200"/>
-          </a:p>
-        </p:txBody>
-      </p:sp>
-      <p:sp>
-        <p:nvSpPr>
-          <p:cNvPr id="77" name="Text Box 76"/>
-          <p:cNvSpPr txBox="1"/>
-          <p:nvPr/>
-        </p:nvSpPr>
-        <p:spPr>
-          <a:xfrm>
-            <a:off x="1520190" y="3689985"/>
-            <a:ext cx="437515" cy="275590"/>
-          </a:xfrm>
-          <a:prstGeom prst="rect">
-            <a:avLst/>
-          </a:prstGeom>
-          <a:noFill/>
-        </p:spPr>
-        <p:txBody>
-          <a:bodyPr wrap="square" rtlCol="0">
-            <a:spAutoFit/>
-          </a:bodyPr>
-          <a:p>
-            <a:r>
-              <a:rPr lang="en-US" sz="1200"/>
-              <a:t>1,1</a:t>
-            </a:r>
-            <a:endParaRPr lang="en-US" sz="1200"/>
           </a:p>
         </p:txBody>
       </p:sp>
@@ -7788,7 +7805,7 @@
         </p:nvSpPr>
         <p:spPr>
           <a:xfrm>
-            <a:off x="4545965" y="4690110"/>
+            <a:off x="5508625" y="5495290"/>
             <a:ext cx="1033780" cy="469265"/>
           </a:xfrm>
           <a:custGeom>
@@ -7902,25 +7919,18 @@
       </p:sp>
       <p:sp>
         <p:nvSpPr>
-          <p:cNvPr id="39" name="Rectangles 38"/>
+          <p:cNvPr id="4" name="Rectangles 3"/>
           <p:cNvSpPr/>
           <p:nvPr/>
         </p:nvSpPr>
         <p:spPr>
           <a:xfrm>
-            <a:off x="6334760" y="2635250"/>
-            <a:ext cx="2129155" cy="405130"/>
+            <a:off x="3319780" y="801370"/>
+            <a:ext cx="1430655" cy="399415"/>
           </a:xfrm>
           <a:prstGeom prst="rect">
             <a:avLst/>
           </a:prstGeom>
-          <a:solidFill>
-            <a:schemeClr val="accent1">
-              <a:lumMod val="40000"/>
-              <a:lumOff val="60000"/>
-            </a:schemeClr>
-          </a:solidFill>
-          <a:ln w="28575"/>
         </p:spPr>
         <p:style>
           <a:lnRef idx="2">
@@ -7942,20 +7952,24 @@
           <a:bodyPr rtlCol="0" anchor="ctr"/>
           <a:p>
             <a:pPr algn="ctr"/>
-            <a:endParaRPr lang="en-US"/>
-          </a:p>
-        </p:txBody>
-      </p:sp>
-      <p:sp>
-        <p:nvSpPr>
-          <p:cNvPr id="4" name="Rectangles 3"/>
+            <a:r>
+              <a:rPr lang="en-US" sz="1200"/>
+              <a:t>COMPETENCIA</a:t>
+            </a:r>
+            <a:endParaRPr lang="en-US" sz="1200"/>
+          </a:p>
+        </p:txBody>
+      </p:sp>
+      <p:sp>
+        <p:nvSpPr>
+          <p:cNvPr id="5" name="Rectangles 4"/>
           <p:cNvSpPr/>
           <p:nvPr/>
         </p:nvSpPr>
         <p:spPr>
           <a:xfrm>
-            <a:off x="3978275" y="862965"/>
-            <a:ext cx="1430655" cy="399415"/>
+            <a:off x="778510" y="1000760"/>
+            <a:ext cx="1430655" cy="393700"/>
           </a:xfrm>
           <a:prstGeom prst="rect">
             <a:avLst/>
@@ -7983,7 +7997,7 @@
             <a:pPr algn="ctr"/>
             <a:r>
               <a:rPr lang="en-US" sz="1200"/>
-              <a:t>COMPETENCIA</a:t>
+              <a:t>TEMPORADA</a:t>
             </a:r>
             <a:endParaRPr lang="en-US" sz="1200"/>
           </a:p>
@@ -7991,14 +8005,14 @@
       </p:sp>
       <p:sp>
         <p:nvSpPr>
-          <p:cNvPr id="5" name="Rectangles 4"/>
+          <p:cNvPr id="6" name="Rectangles 5"/>
           <p:cNvSpPr/>
           <p:nvPr/>
         </p:nvSpPr>
         <p:spPr>
           <a:xfrm>
-            <a:off x="778510" y="1000760"/>
-            <a:ext cx="1430655" cy="393700"/>
+            <a:off x="5833110" y="731520"/>
+            <a:ext cx="1003300" cy="399415"/>
           </a:xfrm>
           <a:prstGeom prst="rect">
             <a:avLst/>
@@ -8026,7 +8040,7 @@
             <a:pPr algn="ctr"/>
             <a:r>
               <a:rPr lang="en-US" sz="1200"/>
-              <a:t>TEMPORADA</a:t>
+              <a:t>EQUIPO</a:t>
             </a:r>
             <a:endParaRPr lang="en-US" sz="1200"/>
           </a:p>
@@ -8034,14 +8048,14 @@
       </p:sp>
       <p:sp>
         <p:nvSpPr>
-          <p:cNvPr id="6" name="Rectangles 5"/>
+          <p:cNvPr id="8" name="Rectangles 7"/>
           <p:cNvSpPr/>
           <p:nvPr/>
         </p:nvSpPr>
         <p:spPr>
           <a:xfrm>
-            <a:off x="7121525" y="915035"/>
-            <a:ext cx="1003300" cy="399415"/>
+            <a:off x="3113405" y="5490845"/>
+            <a:ext cx="1249045" cy="399415"/>
           </a:xfrm>
           <a:prstGeom prst="rect">
             <a:avLst/>
@@ -8069,7 +8083,7 @@
             <a:pPr algn="ctr"/>
             <a:r>
               <a:rPr lang="en-US" sz="1200"/>
-              <a:t>EQUIPO</a:t>
+              <a:t>POSICION</a:t>
             </a:r>
             <a:endParaRPr lang="en-US" sz="1200"/>
           </a:p>
@@ -8077,13 +8091,13 @@
       </p:sp>
       <p:sp>
         <p:nvSpPr>
-          <p:cNvPr id="8" name="Rectangles 7"/>
+          <p:cNvPr id="19" name="Rectangles 18"/>
           <p:cNvSpPr/>
           <p:nvPr/>
         </p:nvSpPr>
         <p:spPr>
           <a:xfrm>
-            <a:off x="3947795" y="2638425"/>
+            <a:off x="893445" y="5502910"/>
             <a:ext cx="1249045" cy="399415"/>
           </a:xfrm>
           <a:prstGeom prst="rect">
@@ -8112,49 +8126,6 @@
             <a:pPr algn="ctr"/>
             <a:r>
               <a:rPr lang="en-US" sz="1200"/>
-              <a:t>POSICION</a:t>
-            </a:r>
-            <a:endParaRPr lang="en-US" sz="1200"/>
-          </a:p>
-        </p:txBody>
-      </p:sp>
-      <p:sp>
-        <p:nvSpPr>
-          <p:cNvPr id="19" name="Rectangles 18"/>
-          <p:cNvSpPr/>
-          <p:nvPr/>
-        </p:nvSpPr>
-        <p:spPr>
-          <a:xfrm>
-            <a:off x="2416175" y="4430395"/>
-            <a:ext cx="1249045" cy="399415"/>
-          </a:xfrm>
-          <a:prstGeom prst="rect">
-            <a:avLst/>
-          </a:prstGeom>
-        </p:spPr>
-        <p:style>
-          <a:lnRef idx="2">
-            <a:schemeClr val="accent1">
-              <a:shade val="50000"/>
-            </a:schemeClr>
-          </a:lnRef>
-          <a:fillRef idx="1">
-            <a:schemeClr val="accent1"/>
-          </a:fillRef>
-          <a:effectRef idx="0">
-            <a:schemeClr val="accent1"/>
-          </a:effectRef>
-          <a:fontRef idx="minor">
-            <a:schemeClr val="lt1"/>
-          </a:fontRef>
-        </p:style>
-        <p:txBody>
-          <a:bodyPr rtlCol="0" anchor="ctr"/>
-          <a:p>
-            <a:pPr algn="ctr"/>
-            <a:r>
-              <a:rPr lang="en-US" sz="1200"/>
               <a:t>ALINEACIÓN</a:t>
             </a:r>
             <a:endParaRPr lang="en-US" sz="1200"/>
@@ -8169,7 +8140,7 @@
         </p:nvSpPr>
         <p:spPr>
           <a:xfrm>
-            <a:off x="3916045" y="803275"/>
+            <a:off x="3257550" y="741680"/>
             <a:ext cx="1556385" cy="529590"/>
           </a:xfrm>
           <a:prstGeom prst="rect">
@@ -8217,51 +8188,14 @@
       </p:sp>
       <p:sp>
         <p:nvSpPr>
-          <p:cNvPr id="40" name="Text Box 39"/>
-          <p:cNvSpPr txBox="1"/>
-          <p:nvPr/>
-        </p:nvSpPr>
-        <p:spPr>
-          <a:xfrm>
-            <a:off x="6334760" y="2669540"/>
-            <a:ext cx="2128520" cy="337185"/>
-          </a:xfrm>
-          <a:prstGeom prst="rect">
-            <a:avLst/>
-          </a:prstGeom>
-          <a:noFill/>
-        </p:spPr>
-        <p:txBody>
-          <a:bodyPr wrap="square" rtlCol="0">
-            <a:spAutoFit/>
-          </a:bodyPr>
-          <a:p>
-            <a:r>
-              <a:rPr lang="en-US" sz="1600">
-                <a:solidFill>
-                  <a:srgbClr val="0070C0"/>
-                </a:solidFill>
-              </a:rPr>
-              <a:t>JUGADOR EN POSICIÓN</a:t>
-            </a:r>
-            <a:endParaRPr lang="en-US" sz="1600">
-              <a:solidFill>
-                <a:srgbClr val="0070C0"/>
-              </a:solidFill>
-            </a:endParaRPr>
-          </a:p>
-        </p:txBody>
-      </p:sp>
-      <p:sp>
-        <p:nvSpPr>
-          <p:cNvPr id="44" name="Rectangles 43"/>
+          <p:cNvPr id="2" name="Rectangles 1"/>
           <p:cNvSpPr/>
           <p:nvPr/>
         </p:nvSpPr>
         <p:spPr>
           <a:xfrm>
-            <a:off x="960120" y="2573020"/>
-            <a:ext cx="1249045" cy="399415"/>
+            <a:off x="7613015" y="5160645"/>
+            <a:ext cx="1003300" cy="399415"/>
           </a:xfrm>
           <a:prstGeom prst="rect">
             <a:avLst/>
@@ -8289,49 +8223,6 @@
             <a:pPr algn="ctr"/>
             <a:r>
               <a:rPr lang="en-US" sz="1200"/>
-              <a:t>JUGADOR</a:t>
-            </a:r>
-            <a:endParaRPr lang="en-US" sz="1200"/>
-          </a:p>
-        </p:txBody>
-      </p:sp>
-      <p:sp>
-        <p:nvSpPr>
-          <p:cNvPr id="2" name="Rectangles 1"/>
-          <p:cNvSpPr/>
-          <p:nvPr/>
-        </p:nvSpPr>
-        <p:spPr>
-          <a:xfrm>
-            <a:off x="6811010" y="4430395"/>
-            <a:ext cx="1003300" cy="399415"/>
-          </a:xfrm>
-          <a:prstGeom prst="rect">
-            <a:avLst/>
-          </a:prstGeom>
-        </p:spPr>
-        <p:style>
-          <a:lnRef idx="2">
-            <a:schemeClr val="accent1">
-              <a:shade val="50000"/>
-            </a:schemeClr>
-          </a:lnRef>
-          <a:fillRef idx="1">
-            <a:schemeClr val="accent1"/>
-          </a:fillRef>
-          <a:effectRef idx="0">
-            <a:schemeClr val="accent1"/>
-          </a:effectRef>
-          <a:fontRef idx="minor">
-            <a:schemeClr val="lt1"/>
-          </a:fontRef>
-        </p:style>
-        <p:txBody>
-          <a:bodyPr rtlCol="0" anchor="ctr"/>
-          <a:p>
-            <a:pPr algn="ctr"/>
-            <a:r>
-              <a:rPr lang="en-US" sz="1200"/>
               <a:t>FECHA</a:t>
             </a:r>
             <a:endParaRPr lang="en-US" sz="1200"/>
@@ -8346,7 +8237,7 @@
         </p:nvSpPr>
         <p:spPr>
           <a:xfrm>
-            <a:off x="2378075" y="4389755"/>
+            <a:off x="855345" y="5462270"/>
             <a:ext cx="1332865" cy="508000"/>
           </a:xfrm>
           <a:prstGeom prst="rect">
@@ -8566,7 +8457,7 @@
         </p:nvSpPr>
         <p:spPr>
           <a:xfrm>
-            <a:off x="3665220" y="374650"/>
+            <a:off x="3006725" y="313055"/>
             <a:ext cx="873125" cy="318770"/>
           </a:xfrm>
           <a:prstGeom prst="ellipse">
@@ -8609,8 +8500,8 @@
         </p:nvSpPr>
         <p:spPr>
           <a:xfrm>
-            <a:off x="4694555" y="353060"/>
-            <a:ext cx="919480" cy="349250"/>
+            <a:off x="4036060" y="291465"/>
+            <a:ext cx="1010285" cy="349250"/>
           </a:xfrm>
           <a:prstGeom prst="ellipse">
             <a:avLst/>
@@ -8638,7 +8529,7 @@
             <a:pPr algn="ctr"/>
             <a:r>
               <a:rPr lang="en-US" sz="1000"/>
-              <a:t>Nombre</a:t>
+              <a:t>NombreC</a:t>
             </a:r>
             <a:endParaRPr lang="en-US" sz="1000"/>
           </a:p>
@@ -8652,7 +8543,7 @@
         </p:nvSpPr>
         <p:spPr>
           <a:xfrm>
-            <a:off x="4076700" y="1511935"/>
+            <a:off x="3418205" y="1450340"/>
             <a:ext cx="1233170" cy="349250"/>
           </a:xfrm>
           <a:prstGeom prst="ellipse">
@@ -8698,7 +8589,7 @@
         </p:nvCxnSpPr>
         <p:spPr>
           <a:xfrm flipH="1" flipV="1">
-            <a:off x="4410710" y="646430"/>
+            <a:off x="3752215" y="584835"/>
             <a:ext cx="283845" cy="156845"/>
           </a:xfrm>
           <a:prstGeom prst="line">
@@ -8738,94 +8629,8 @@
         </p:nvCxnSpPr>
         <p:spPr>
           <a:xfrm flipH="1">
-            <a:off x="4694555" y="650875"/>
-            <a:ext cx="134620" cy="152400"/>
-          </a:xfrm>
-          <a:prstGeom prst="line">
-            <a:avLst/>
-          </a:prstGeom>
-          <a:ln w="28575">
-            <a:solidFill>
-              <a:schemeClr val="bg1">
-                <a:lumMod val="50000"/>
-              </a:schemeClr>
-            </a:solidFill>
-          </a:ln>
-        </p:spPr>
-        <p:style>
-          <a:lnRef idx="1">
-            <a:schemeClr val="accent1"/>
-          </a:lnRef>
-          <a:fillRef idx="0">
-            <a:schemeClr val="accent1"/>
-          </a:fillRef>
-          <a:effectRef idx="0">
-            <a:schemeClr val="accent1"/>
-          </a:effectRef>
-          <a:fontRef idx="minor">
-            <a:schemeClr val="tx1"/>
-          </a:fontRef>
-        </p:style>
-      </p:cxnSp>
-      <p:sp>
-        <p:nvSpPr>
-          <p:cNvPr id="27" name="Oval 26"/>
-          <p:cNvSpPr/>
-          <p:nvPr/>
-        </p:nvSpPr>
-        <p:spPr>
-          <a:xfrm>
-            <a:off x="2886710" y="862965"/>
-            <a:ext cx="778510" cy="341630"/>
-          </a:xfrm>
-          <a:prstGeom prst="ellipse">
-            <a:avLst/>
-          </a:prstGeom>
-          <a:ln w="28575">
-            <a:prstDash val="sysDash"/>
-          </a:ln>
-        </p:spPr>
-        <p:style>
-          <a:lnRef idx="2">
-            <a:schemeClr val="accent3">
-              <a:shade val="50000"/>
-            </a:schemeClr>
-          </a:lnRef>
-          <a:fillRef idx="1">
-            <a:schemeClr val="accent3"/>
-          </a:fillRef>
-          <a:effectRef idx="0">
-            <a:schemeClr val="accent3"/>
-          </a:effectRef>
-          <a:fontRef idx="minor">
-            <a:schemeClr val="lt1"/>
-          </a:fontRef>
-        </p:style>
-        <p:txBody>
-          <a:bodyPr rtlCol="0" anchor="ctr"/>
-          <a:p>
-            <a:pPr algn="ctr"/>
-            <a:r>
-              <a:rPr lang="en-US" sz="1000" u="sng"/>
-              <a:t>Fecha End</a:t>
-            </a:r>
-            <a:endParaRPr lang="en-US" sz="1000" u="sng"/>
-          </a:p>
-        </p:txBody>
-      </p:sp>
-      <p:cxnSp>
-        <p:nvCxnSpPr>
-          <p:cNvPr id="28" name="Straight Connector 27"/>
-          <p:cNvCxnSpPr>
-            <a:stCxn id="27" idx="6"/>
-            <a:endCxn id="30" idx="1"/>
-          </p:cNvCxnSpPr>
-          <p:nvPr/>
-        </p:nvCxnSpPr>
-        <p:spPr>
-          <a:xfrm>
-            <a:off x="3665220" y="1033780"/>
-            <a:ext cx="250825" cy="34290"/>
+            <a:off x="4036060" y="589280"/>
+            <a:ext cx="147955" cy="152400"/>
           </a:xfrm>
           <a:prstGeom prst="line">
             <a:avLst/>
@@ -8864,7 +8669,7 @@
         </p:nvCxnSpPr>
         <p:spPr>
           <a:xfrm flipV="1">
-            <a:off x="4693285" y="1332865"/>
+            <a:off x="4034790" y="1271270"/>
             <a:ext cx="1270" cy="179070"/>
           </a:xfrm>
           <a:prstGeom prst="line">
@@ -8895,21 +8700,18 @@
       </p:cxnSp>
       <p:sp>
         <p:nvSpPr>
-          <p:cNvPr id="36" name="Oval 35"/>
+          <p:cNvPr id="55" name="Oval 54"/>
           <p:cNvSpPr/>
           <p:nvPr/>
         </p:nvSpPr>
         <p:spPr>
           <a:xfrm>
-            <a:off x="5723255" y="880110"/>
-            <a:ext cx="778510" cy="341630"/>
+            <a:off x="5327650" y="291465"/>
+            <a:ext cx="1095375" cy="349250"/>
           </a:xfrm>
           <a:prstGeom prst="ellipse">
             <a:avLst/>
           </a:prstGeom>
-          <a:ln w="28575">
-            <a:prstDash val="sysDash"/>
-          </a:ln>
         </p:spPr>
         <p:style>
           <a:lnRef idx="2">
@@ -8932,26 +8734,26 @@
           <a:p>
             <a:pPr algn="ctr"/>
             <a:r>
-              <a:rPr lang="en-US" sz="1000" u="sng"/>
-              <a:t>Fecha End</a:t>
-            </a:r>
-            <a:endParaRPr lang="en-US" sz="1000" u="sng"/>
+              <a:rPr lang="en-US" sz="1000"/>
+              <a:t>Nombre</a:t>
+            </a:r>
+            <a:endParaRPr lang="en-US" sz="1000"/>
           </a:p>
         </p:txBody>
       </p:sp>
       <p:cxnSp>
         <p:nvCxnSpPr>
-          <p:cNvPr id="38" name="Straight Connector 37"/>
+          <p:cNvPr id="56" name="Straight Connector 55"/>
           <p:cNvCxnSpPr>
-            <a:stCxn id="30" idx="3"/>
-            <a:endCxn id="36" idx="2"/>
+            <a:stCxn id="55" idx="5"/>
+            <a:endCxn id="6" idx="0"/>
           </p:cNvCxnSpPr>
           <p:nvPr/>
         </p:nvCxnSpPr>
         <p:spPr>
-          <a:xfrm flipV="1">
-            <a:off x="5472430" y="1050925"/>
-            <a:ext cx="250825" cy="17145"/>
+          <a:xfrm>
+            <a:off x="6262370" y="589280"/>
+            <a:ext cx="72390" cy="142240"/>
           </a:xfrm>
           <a:prstGeom prst="line">
             <a:avLst/>
@@ -8981,14 +8783,14 @@
       </p:cxnSp>
       <p:sp>
         <p:nvSpPr>
-          <p:cNvPr id="55" name="Oval 54"/>
+          <p:cNvPr id="59" name="Oval 58"/>
           <p:cNvSpPr/>
           <p:nvPr/>
         </p:nvSpPr>
         <p:spPr>
           <a:xfrm>
-            <a:off x="6703695" y="513715"/>
-            <a:ext cx="1095375" cy="349250"/>
+            <a:off x="5415280" y="1249045"/>
+            <a:ext cx="919480" cy="349250"/>
           </a:xfrm>
           <a:prstGeom prst="ellipse">
             <a:avLst/>
@@ -9015,26 +8817,26 @@
           <a:p>
             <a:pPr algn="ctr"/>
             <a:r>
-              <a:rPr lang="en-US" sz="1000" u="sng"/>
-              <a:t>Nombre_E</a:t>
-            </a:r>
-            <a:endParaRPr lang="en-US" sz="1000" u="sng"/>
+              <a:rPr lang="en-US" sz="1000"/>
+              <a:t>Director</a:t>
+            </a:r>
+            <a:endParaRPr lang="en-US" sz="1000"/>
           </a:p>
         </p:txBody>
       </p:sp>
       <p:cxnSp>
         <p:nvCxnSpPr>
-          <p:cNvPr id="56" name="Straight Connector 55"/>
+          <p:cNvPr id="74" name="Straight Connector 73"/>
           <p:cNvCxnSpPr>
-            <a:stCxn id="55" idx="5"/>
-            <a:endCxn id="6" idx="0"/>
+            <a:stCxn id="59" idx="7"/>
+            <a:endCxn id="6" idx="2"/>
           </p:cNvCxnSpPr>
           <p:nvPr/>
         </p:nvCxnSpPr>
         <p:spPr>
-          <a:xfrm flipH="1">
-            <a:off x="7623175" y="811530"/>
-            <a:ext cx="15240" cy="103505"/>
+          <a:xfrm flipV="1">
+            <a:off x="6200140" y="1130935"/>
+            <a:ext cx="134620" cy="169545"/>
           </a:xfrm>
           <a:prstGeom prst="line">
             <a:avLst/>
@@ -9064,14 +8866,14 @@
       </p:cxnSp>
       <p:sp>
         <p:nvSpPr>
-          <p:cNvPr id="59" name="Oval 58"/>
+          <p:cNvPr id="78" name="Oval 77"/>
           <p:cNvSpPr/>
           <p:nvPr/>
         </p:nvSpPr>
         <p:spPr>
           <a:xfrm>
-            <a:off x="6703695" y="1432560"/>
-            <a:ext cx="919480" cy="349250"/>
+            <a:off x="6395720" y="1263015"/>
+            <a:ext cx="779145" cy="319405"/>
           </a:xfrm>
           <a:prstGeom prst="ellipse">
             <a:avLst/>
@@ -9099,7 +8901,7 @@
             <a:pPr algn="ctr"/>
             <a:r>
               <a:rPr lang="en-US" sz="1000"/>
-              <a:t>Director</a:t>
+              <a:t>Color</a:t>
             </a:r>
             <a:endParaRPr lang="en-US" sz="1000"/>
           </a:p>
@@ -9107,17 +8909,17 @@
       </p:sp>
       <p:cxnSp>
         <p:nvCxnSpPr>
-          <p:cNvPr id="74" name="Straight Connector 73"/>
+          <p:cNvPr id="79" name="Straight Connector 78"/>
           <p:cNvCxnSpPr>
-            <a:stCxn id="59" idx="7"/>
-            <a:endCxn id="6" idx="2"/>
+            <a:stCxn id="6" idx="2"/>
+            <a:endCxn id="78" idx="1"/>
           </p:cNvCxnSpPr>
           <p:nvPr/>
         </p:nvCxnSpPr>
         <p:spPr>
-          <a:xfrm flipV="1">
-            <a:off x="7488555" y="1314450"/>
-            <a:ext cx="134620" cy="169545"/>
+          <a:xfrm>
+            <a:off x="6334760" y="1130935"/>
+            <a:ext cx="175260" cy="179070"/>
           </a:xfrm>
           <a:prstGeom prst="line">
             <a:avLst/>
@@ -9147,14 +8949,14 @@
       </p:cxnSp>
       <p:sp>
         <p:nvSpPr>
-          <p:cNvPr id="78" name="Oval 77"/>
+          <p:cNvPr id="90" name="Oval 89"/>
           <p:cNvSpPr/>
           <p:nvPr/>
         </p:nvSpPr>
         <p:spPr>
           <a:xfrm>
-            <a:off x="7684135" y="1446530"/>
-            <a:ext cx="779145" cy="319405"/>
+            <a:off x="2764155" y="5069205"/>
+            <a:ext cx="873125" cy="318770"/>
           </a:xfrm>
           <a:prstGeom prst="ellipse">
             <a:avLst/>
@@ -9181,8 +8983,51 @@
           <a:p>
             <a:pPr algn="ctr"/>
             <a:r>
+              <a:rPr lang="en-US" sz="1000" u="sng"/>
+              <a:t>Id_Pos</a:t>
+            </a:r>
+            <a:endParaRPr lang="en-US" sz="1000" u="sng"/>
+          </a:p>
+        </p:txBody>
+      </p:sp>
+      <p:sp>
+        <p:nvSpPr>
+          <p:cNvPr id="92" name="Oval 91"/>
+          <p:cNvSpPr/>
+          <p:nvPr/>
+        </p:nvSpPr>
+        <p:spPr>
+          <a:xfrm>
+            <a:off x="3771900" y="5107305"/>
+            <a:ext cx="920115" cy="280670"/>
+          </a:xfrm>
+          <a:prstGeom prst="ellipse">
+            <a:avLst/>
+          </a:prstGeom>
+        </p:spPr>
+        <p:style>
+          <a:lnRef idx="2">
+            <a:schemeClr val="accent3">
+              <a:shade val="50000"/>
+            </a:schemeClr>
+          </a:lnRef>
+          <a:fillRef idx="1">
+            <a:schemeClr val="accent3"/>
+          </a:fillRef>
+          <a:effectRef idx="0">
+            <a:schemeClr val="accent3"/>
+          </a:effectRef>
+          <a:fontRef idx="minor">
+            <a:schemeClr val="lt1"/>
+          </a:fontRef>
+        </p:style>
+        <p:txBody>
+          <a:bodyPr rtlCol="0" anchor="ctr"/>
+          <a:p>
+            <a:pPr algn="ctr"/>
+            <a:r>
               <a:rPr lang="en-US" sz="1000"/>
-              <a:t>Color</a:t>
+              <a:t>Nombre</a:t>
             </a:r>
             <a:endParaRPr lang="en-US" sz="1000"/>
           </a:p>
@@ -9190,17 +9035,17 @@
       </p:sp>
       <p:cxnSp>
         <p:nvCxnSpPr>
-          <p:cNvPr id="79" name="Straight Connector 78"/>
+          <p:cNvPr id="93" name="Straight Connector 92"/>
           <p:cNvCxnSpPr>
-            <a:stCxn id="6" idx="2"/>
-            <a:endCxn id="78" idx="1"/>
+            <a:stCxn id="90" idx="5"/>
+            <a:endCxn id="8" idx="0"/>
           </p:cNvCxnSpPr>
           <p:nvPr/>
         </p:nvCxnSpPr>
         <p:spPr>
           <a:xfrm>
-            <a:off x="7623175" y="1314450"/>
-            <a:ext cx="175260" cy="179070"/>
+            <a:off x="3509645" y="5340985"/>
+            <a:ext cx="228600" cy="149860"/>
           </a:xfrm>
           <a:prstGeom prst="line">
             <a:avLst/>
@@ -9228,15 +9073,55 @@
           </a:fontRef>
         </p:style>
       </p:cxnSp>
-      <p:sp>
-        <p:nvSpPr>
-          <p:cNvPr id="80" name="Oval 79"/>
+      <p:cxnSp>
+        <p:nvCxnSpPr>
+          <p:cNvPr id="94" name="Straight Connector 93"/>
+          <p:cNvCxnSpPr>
+            <a:stCxn id="92" idx="3"/>
+            <a:endCxn id="8" idx="0"/>
+          </p:cNvCxnSpPr>
+          <p:nvPr/>
+        </p:nvCxnSpPr>
+        <p:spPr>
+          <a:xfrm flipH="1">
+            <a:off x="3738245" y="5346700"/>
+            <a:ext cx="168275" cy="144145"/>
+          </a:xfrm>
+          <a:prstGeom prst="line">
+            <a:avLst/>
+          </a:prstGeom>
+          <a:ln w="28575">
+            <a:solidFill>
+              <a:schemeClr val="bg1">
+                <a:lumMod val="50000"/>
+              </a:schemeClr>
+            </a:solidFill>
+          </a:ln>
+        </p:spPr>
+        <p:style>
+          <a:lnRef idx="1">
+            <a:schemeClr val="accent1"/>
+          </a:lnRef>
+          <a:fillRef idx="0">
+            <a:schemeClr val="accent1"/>
+          </a:fillRef>
+          <a:effectRef idx="0">
+            <a:schemeClr val="accent1"/>
+          </a:effectRef>
+          <a:fontRef idx="minor">
+            <a:schemeClr val="tx1"/>
+          </a:fontRef>
+        </p:style>
+      </p:cxnSp>
+      <p:sp>
+        <p:nvSpPr>
+          <p:cNvPr id="11" name="Oval 10"/>
           <p:cNvSpPr/>
           <p:nvPr/>
         </p:nvSpPr>
         <p:spPr>
           <a:xfrm>
-            <a:off x="666115" y="2176145"/>
+            <a:off x="5895975" y="4798060"/>
             <a:ext cx="920115" cy="280670"/>
           </a:xfrm>
           <a:prstGeom prst="ellipse">
@@ -9265,7 +9150,7 @@
             <a:pPr algn="ctr"/>
             <a:r>
               <a:rPr lang="en-US" sz="1000"/>
-              <a:t>Nombre</a:t>
+              <a:t>Ganador</a:t>
             </a:r>
             <a:endParaRPr lang="en-US" sz="1000"/>
           </a:p>
@@ -9273,14 +9158,14 @@
       </p:sp>
       <p:sp>
         <p:nvSpPr>
-          <p:cNvPr id="81" name="Oval 80"/>
+          <p:cNvPr id="12" name="Oval 11"/>
           <p:cNvSpPr/>
           <p:nvPr/>
         </p:nvSpPr>
         <p:spPr>
           <a:xfrm>
-            <a:off x="1702435" y="2176145"/>
-            <a:ext cx="713740" cy="280670"/>
+            <a:off x="5212080" y="5107305"/>
+            <a:ext cx="1024255" cy="280670"/>
           </a:xfrm>
           <a:prstGeom prst="ellipse">
             <a:avLst/>
@@ -9307,23 +9192,143 @@
           <a:p>
             <a:pPr algn="ctr"/>
             <a:r>
-              <a:rPr lang="en-US" sz="1000" u="sng"/>
-              <a:t>Alias</a:t>
-            </a:r>
-            <a:endParaRPr lang="en-US" sz="1000" u="sng"/>
-          </a:p>
-        </p:txBody>
-      </p:sp>
-      <p:sp>
-        <p:nvSpPr>
-          <p:cNvPr id="82" name="Oval 81"/>
+              <a:rPr lang="en-US" sz="1000"/>
+              <a:t>Marcador</a:t>
+            </a:r>
+            <a:endParaRPr lang="en-US" sz="1000"/>
+          </a:p>
+        </p:txBody>
+      </p:sp>
+      <p:cxnSp>
+        <p:nvCxnSpPr>
+          <p:cNvPr id="24" name="Straight Connector 23"/>
+          <p:cNvCxnSpPr>
+            <a:stCxn id="12" idx="3"/>
+            <a:endCxn id="57" idx="0"/>
+          </p:cNvCxnSpPr>
+          <p:nvPr/>
+        </p:nvCxnSpPr>
+        <p:spPr>
+          <a:xfrm>
+            <a:off x="5361940" y="5346700"/>
+            <a:ext cx="146685" cy="148590"/>
+          </a:xfrm>
+          <a:prstGeom prst="line">
+            <a:avLst/>
+          </a:prstGeom>
+          <a:ln w="28575">
+            <a:solidFill>
+              <a:schemeClr val="bg1">
+                <a:lumMod val="50000"/>
+              </a:schemeClr>
+            </a:solidFill>
+          </a:ln>
+        </p:spPr>
+        <p:style>
+          <a:lnRef idx="1">
+            <a:schemeClr val="accent1"/>
+          </a:lnRef>
+          <a:fillRef idx="0">
+            <a:schemeClr val="accent1"/>
+          </a:fillRef>
+          <a:effectRef idx="0">
+            <a:schemeClr val="accent1"/>
+          </a:effectRef>
+          <a:fontRef idx="minor">
+            <a:schemeClr val="tx1"/>
+          </a:fontRef>
+        </p:style>
+      </p:cxnSp>
+      <p:cxnSp>
+        <p:nvCxnSpPr>
+          <p:cNvPr id="31" name="Straight Connector 30"/>
+          <p:cNvCxnSpPr>
+            <a:stCxn id="57" idx="1"/>
+            <a:endCxn id="11" idx="5"/>
+          </p:cNvCxnSpPr>
+          <p:nvPr/>
+        </p:nvCxnSpPr>
+        <p:spPr>
+          <a:xfrm flipV="1">
+            <a:off x="6542405" y="5037455"/>
+            <a:ext cx="139065" cy="457835"/>
+          </a:xfrm>
+          <a:prstGeom prst="line">
+            <a:avLst/>
+          </a:prstGeom>
+          <a:ln w="28575">
+            <a:solidFill>
+              <a:schemeClr val="bg1">
+                <a:lumMod val="50000"/>
+              </a:schemeClr>
+            </a:solidFill>
+          </a:ln>
+        </p:spPr>
+        <p:style>
+          <a:lnRef idx="1">
+            <a:schemeClr val="accent1"/>
+          </a:lnRef>
+          <a:fillRef idx="0">
+            <a:schemeClr val="accent1"/>
+          </a:fillRef>
+          <a:effectRef idx="0">
+            <a:schemeClr val="accent1"/>
+          </a:effectRef>
+          <a:fontRef idx="minor">
+            <a:schemeClr val="tx1"/>
+          </a:fontRef>
+        </p:style>
+      </p:cxnSp>
+      <p:cxnSp>
+        <p:nvCxnSpPr>
+          <p:cNvPr id="33" name="Straight Connector 32"/>
+          <p:cNvCxnSpPr>
+            <a:stCxn id="61" idx="0"/>
+            <a:endCxn id="57" idx="3"/>
+          </p:cNvCxnSpPr>
+          <p:nvPr/>
+        </p:nvCxnSpPr>
+        <p:spPr>
+          <a:xfrm flipH="1" flipV="1">
+            <a:off x="6542405" y="5964555"/>
+            <a:ext cx="128270" cy="148590"/>
+          </a:xfrm>
+          <a:prstGeom prst="line">
+            <a:avLst/>
+          </a:prstGeom>
+          <a:ln w="28575">
+            <a:solidFill>
+              <a:schemeClr val="bg1">
+                <a:lumMod val="50000"/>
+              </a:schemeClr>
+            </a:solidFill>
+          </a:ln>
+        </p:spPr>
+        <p:style>
+          <a:lnRef idx="1">
+            <a:schemeClr val="accent1"/>
+          </a:lnRef>
+          <a:fillRef idx="0">
+            <a:schemeClr val="accent1"/>
+          </a:fillRef>
+          <a:effectRef idx="0">
+            <a:schemeClr val="accent1"/>
+          </a:effectRef>
+          <a:fontRef idx="minor">
+            <a:schemeClr val="tx1"/>
+          </a:fontRef>
+        </p:style>
+      </p:cxnSp>
+      <p:sp>
+        <p:nvSpPr>
+          <p:cNvPr id="34" name="Oval 33"/>
           <p:cNvSpPr/>
           <p:nvPr/>
         </p:nvSpPr>
         <p:spPr>
           <a:xfrm>
-            <a:off x="2416175" y="2638425"/>
-            <a:ext cx="713740" cy="280670"/>
+            <a:off x="7743190" y="5746750"/>
+            <a:ext cx="873125" cy="280670"/>
           </a:xfrm>
           <a:prstGeom prst="ellipse">
             <a:avLst/>
@@ -9350,27 +9355,70 @@
           <a:p>
             <a:pPr algn="ctr"/>
             <a:r>
-              <a:rPr lang="en-US" sz="1000"/>
-              <a:t>Edad</a:t>
-            </a:r>
-            <a:endParaRPr lang="en-US" sz="1000"/>
-          </a:p>
-        </p:txBody>
-      </p:sp>
-      <p:sp>
-        <p:nvSpPr>
-          <p:cNvPr id="83" name="Oval 82"/>
+              <a:rPr lang="en-US" sz="1000" u="sng"/>
+              <a:t>Fecha</a:t>
+            </a:r>
+            <a:endParaRPr lang="en-US" sz="1000" u="sng"/>
+          </a:p>
+        </p:txBody>
+      </p:sp>
+      <p:cxnSp>
+        <p:nvCxnSpPr>
+          <p:cNvPr id="35" name="Straight Connector 34"/>
+          <p:cNvCxnSpPr>
+            <a:stCxn id="34" idx="0"/>
+            <a:endCxn id="2" idx="2"/>
+          </p:cNvCxnSpPr>
+          <p:nvPr/>
+        </p:nvCxnSpPr>
+        <p:spPr>
+          <a:xfrm flipH="1" flipV="1">
+            <a:off x="8114665" y="5560060"/>
+            <a:ext cx="65405" cy="186690"/>
+          </a:xfrm>
+          <a:prstGeom prst="line">
+            <a:avLst/>
+          </a:prstGeom>
+          <a:ln w="28575">
+            <a:solidFill>
+              <a:schemeClr val="bg1">
+                <a:lumMod val="50000"/>
+              </a:schemeClr>
+            </a:solidFill>
+          </a:ln>
+        </p:spPr>
+        <p:style>
+          <a:lnRef idx="1">
+            <a:schemeClr val="accent1"/>
+          </a:lnRef>
+          <a:fillRef idx="0">
+            <a:schemeClr val="accent1"/>
+          </a:fillRef>
+          <a:effectRef idx="0">
+            <a:schemeClr val="accent1"/>
+          </a:effectRef>
+          <a:fontRef idx="minor">
+            <a:schemeClr val="tx1"/>
+          </a:fontRef>
+        </p:style>
+      </p:cxnSp>
+      <p:sp>
+        <p:nvSpPr>
+          <p:cNvPr id="42" name="Oval 41"/>
           <p:cNvSpPr/>
           <p:nvPr/>
         </p:nvSpPr>
         <p:spPr>
           <a:xfrm>
-            <a:off x="1809115" y="3100705"/>
-            <a:ext cx="713740" cy="280670"/>
+            <a:off x="570230" y="4955540"/>
+            <a:ext cx="1095375" cy="349250"/>
           </a:xfrm>
           <a:prstGeom prst="ellipse">
             <a:avLst/>
           </a:prstGeom>
+          <a:ln w="28575">
+            <a:prstDash val="sysDash"/>
+          </a:ln>
         </p:spPr>
         <p:style>
           <a:lnRef idx="2">
@@ -9393,6 +9441,427 @@
           <a:p>
             <a:pPr algn="ctr"/>
             <a:r>
+              <a:rPr lang="en-US" sz="1000" u="sng"/>
+              <a:t>Id_E</a:t>
+            </a:r>
+            <a:endParaRPr lang="en-US" sz="1000" u="sng"/>
+          </a:p>
+        </p:txBody>
+      </p:sp>
+      <p:cxnSp>
+        <p:nvCxnSpPr>
+          <p:cNvPr id="43" name="Straight Connector 42"/>
+          <p:cNvCxnSpPr>
+            <a:stCxn id="65" idx="0"/>
+            <a:endCxn id="42" idx="5"/>
+          </p:cNvCxnSpPr>
+          <p:nvPr/>
+        </p:nvCxnSpPr>
+        <p:spPr>
+          <a:xfrm flipH="1" flipV="1">
+            <a:off x="1504950" y="5253355"/>
+            <a:ext cx="17145" cy="208915"/>
+          </a:xfrm>
+          <a:prstGeom prst="line">
+            <a:avLst/>
+          </a:prstGeom>
+          <a:ln w="28575">
+            <a:solidFill>
+              <a:schemeClr val="bg1">
+                <a:lumMod val="50000"/>
+              </a:schemeClr>
+            </a:solidFill>
+          </a:ln>
+        </p:spPr>
+        <p:style>
+          <a:lnRef idx="1">
+            <a:schemeClr val="accent1"/>
+          </a:lnRef>
+          <a:fillRef idx="0">
+            <a:schemeClr val="accent1"/>
+          </a:fillRef>
+          <a:effectRef idx="0">
+            <a:schemeClr val="accent1"/>
+          </a:effectRef>
+          <a:fontRef idx="minor">
+            <a:schemeClr val="tx1"/>
+          </a:fontRef>
+        </p:style>
+      </p:cxnSp>
+      <p:sp>
+        <p:nvSpPr>
+          <p:cNvPr id="46" name="Oval 45"/>
+          <p:cNvSpPr/>
+          <p:nvPr/>
+        </p:nvSpPr>
+        <p:spPr>
+          <a:xfrm>
+            <a:off x="6654165" y="269875"/>
+            <a:ext cx="779145" cy="319405"/>
+          </a:xfrm>
+          <a:prstGeom prst="ellipse">
+            <a:avLst/>
+          </a:prstGeom>
+        </p:spPr>
+        <p:style>
+          <a:lnRef idx="2">
+            <a:schemeClr val="accent3">
+              <a:shade val="50000"/>
+            </a:schemeClr>
+          </a:lnRef>
+          <a:fillRef idx="1">
+            <a:schemeClr val="accent3"/>
+          </a:fillRef>
+          <a:effectRef idx="0">
+            <a:schemeClr val="accent3"/>
+          </a:effectRef>
+          <a:fontRef idx="minor">
+            <a:schemeClr val="lt1"/>
+          </a:fontRef>
+        </p:style>
+        <p:txBody>
+          <a:bodyPr rtlCol="0" anchor="ctr"/>
+          <a:p>
+            <a:pPr algn="ctr"/>
+            <a:r>
+              <a:rPr lang="en-US" sz="1000" u="sng"/>
+              <a:t>Id_E</a:t>
+            </a:r>
+            <a:endParaRPr lang="en-US" sz="1000" u="sng"/>
+          </a:p>
+        </p:txBody>
+      </p:sp>
+      <p:cxnSp>
+        <p:nvCxnSpPr>
+          <p:cNvPr id="47" name="Straight Connector 46"/>
+          <p:cNvCxnSpPr>
+            <a:stCxn id="46" idx="3"/>
+            <a:endCxn id="6" idx="0"/>
+          </p:cNvCxnSpPr>
+          <p:nvPr/>
+        </p:nvCxnSpPr>
+        <p:spPr>
+          <a:xfrm flipH="1">
+            <a:off x="6334760" y="542290"/>
+            <a:ext cx="433705" cy="189230"/>
+          </a:xfrm>
+          <a:prstGeom prst="line">
+            <a:avLst/>
+          </a:prstGeom>
+          <a:ln w="28575">
+            <a:solidFill>
+              <a:schemeClr val="bg1">
+                <a:lumMod val="50000"/>
+              </a:schemeClr>
+            </a:solidFill>
+          </a:ln>
+        </p:spPr>
+        <p:style>
+          <a:lnRef idx="1">
+            <a:schemeClr val="accent1"/>
+          </a:lnRef>
+          <a:fillRef idx="0">
+            <a:schemeClr val="accent1"/>
+          </a:fillRef>
+          <a:effectRef idx="0">
+            <a:schemeClr val="accent1"/>
+          </a:effectRef>
+          <a:fontRef idx="minor">
+            <a:schemeClr val="tx1"/>
+          </a:fontRef>
+        </p:style>
+      </p:cxnSp>
+      <p:sp>
+        <p:nvSpPr>
+          <p:cNvPr id="39" name="Rectangles 38"/>
+          <p:cNvSpPr/>
+          <p:nvPr/>
+        </p:nvSpPr>
+        <p:spPr>
+          <a:xfrm>
+            <a:off x="6312535" y="3142615"/>
+            <a:ext cx="2129155" cy="405130"/>
+          </a:xfrm>
+          <a:prstGeom prst="rect">
+            <a:avLst/>
+          </a:prstGeom>
+          <a:solidFill>
+            <a:schemeClr val="accent1">
+              <a:lumMod val="40000"/>
+              <a:lumOff val="60000"/>
+            </a:schemeClr>
+          </a:solidFill>
+          <a:ln w="28575"/>
+        </p:spPr>
+        <p:style>
+          <a:lnRef idx="2">
+            <a:schemeClr val="accent1">
+              <a:shade val="50000"/>
+            </a:schemeClr>
+          </a:lnRef>
+          <a:fillRef idx="1">
+            <a:schemeClr val="accent1"/>
+          </a:fillRef>
+          <a:effectRef idx="0">
+            <a:schemeClr val="accent1"/>
+          </a:effectRef>
+          <a:fontRef idx="minor">
+            <a:schemeClr val="lt1"/>
+          </a:fontRef>
+        </p:style>
+        <p:txBody>
+          <a:bodyPr rtlCol="0" anchor="ctr"/>
+          <a:p>
+            <a:pPr algn="ctr"/>
+            <a:endParaRPr lang="en-US"/>
+          </a:p>
+        </p:txBody>
+      </p:sp>
+      <p:sp>
+        <p:nvSpPr>
+          <p:cNvPr id="40" name="Text Box 39"/>
+          <p:cNvSpPr txBox="1"/>
+          <p:nvPr/>
+        </p:nvSpPr>
+        <p:spPr>
+          <a:xfrm>
+            <a:off x="6312535" y="3176905"/>
+            <a:ext cx="2128520" cy="337185"/>
+          </a:xfrm>
+          <a:prstGeom prst="rect">
+            <a:avLst/>
+          </a:prstGeom>
+          <a:noFill/>
+        </p:spPr>
+        <p:txBody>
+          <a:bodyPr wrap="square" rtlCol="0">
+            <a:spAutoFit/>
+          </a:bodyPr>
+          <a:p>
+            <a:r>
+              <a:rPr lang="en-US" sz="1600">
+                <a:solidFill>
+                  <a:srgbClr val="0070C0"/>
+                </a:solidFill>
+              </a:rPr>
+              <a:t>JUGADOR EN POSICIÓN</a:t>
+            </a:r>
+            <a:endParaRPr lang="en-US" sz="1600">
+              <a:solidFill>
+                <a:srgbClr val="0070C0"/>
+              </a:solidFill>
+            </a:endParaRPr>
+          </a:p>
+        </p:txBody>
+      </p:sp>
+      <p:sp>
+        <p:nvSpPr>
+          <p:cNvPr id="44" name="Rectangles 43"/>
+          <p:cNvSpPr/>
+          <p:nvPr/>
+        </p:nvSpPr>
+        <p:spPr>
+          <a:xfrm>
+            <a:off x="937895" y="3080385"/>
+            <a:ext cx="1249045" cy="399415"/>
+          </a:xfrm>
+          <a:prstGeom prst="rect">
+            <a:avLst/>
+          </a:prstGeom>
+        </p:spPr>
+        <p:style>
+          <a:lnRef idx="2">
+            <a:schemeClr val="accent1">
+              <a:shade val="50000"/>
+            </a:schemeClr>
+          </a:lnRef>
+          <a:fillRef idx="1">
+            <a:schemeClr val="accent1"/>
+          </a:fillRef>
+          <a:effectRef idx="0">
+            <a:schemeClr val="accent1"/>
+          </a:effectRef>
+          <a:fontRef idx="minor">
+            <a:schemeClr val="lt1"/>
+          </a:fontRef>
+        </p:style>
+        <p:txBody>
+          <a:bodyPr rtlCol="0" anchor="ctr"/>
+          <a:p>
+            <a:pPr algn="ctr"/>
+            <a:r>
+              <a:rPr lang="en-US" sz="1200"/>
+              <a:t>JUGADOR</a:t>
+            </a:r>
+            <a:endParaRPr lang="en-US" sz="1200"/>
+          </a:p>
+        </p:txBody>
+      </p:sp>
+      <p:sp>
+        <p:nvSpPr>
+          <p:cNvPr id="80" name="Oval 79"/>
+          <p:cNvSpPr/>
+          <p:nvPr/>
+        </p:nvSpPr>
+        <p:spPr>
+          <a:xfrm>
+            <a:off x="643890" y="2683510"/>
+            <a:ext cx="920115" cy="280670"/>
+          </a:xfrm>
+          <a:prstGeom prst="ellipse">
+            <a:avLst/>
+          </a:prstGeom>
+        </p:spPr>
+        <p:style>
+          <a:lnRef idx="2">
+            <a:schemeClr val="accent3">
+              <a:shade val="50000"/>
+            </a:schemeClr>
+          </a:lnRef>
+          <a:fillRef idx="1">
+            <a:schemeClr val="accent3"/>
+          </a:fillRef>
+          <a:effectRef idx="0">
+            <a:schemeClr val="accent3"/>
+          </a:effectRef>
+          <a:fontRef idx="minor">
+            <a:schemeClr val="lt1"/>
+          </a:fontRef>
+        </p:style>
+        <p:txBody>
+          <a:bodyPr rtlCol="0" anchor="ctr"/>
+          <a:p>
+            <a:pPr algn="ctr"/>
+            <a:r>
+              <a:rPr lang="en-US" sz="1000"/>
+              <a:t>Nombre</a:t>
+            </a:r>
+            <a:endParaRPr lang="en-US" sz="1000"/>
+          </a:p>
+        </p:txBody>
+      </p:sp>
+      <p:sp>
+        <p:nvSpPr>
+          <p:cNvPr id="81" name="Oval 80"/>
+          <p:cNvSpPr/>
+          <p:nvPr/>
+        </p:nvSpPr>
+        <p:spPr>
+          <a:xfrm>
+            <a:off x="1680210" y="2683510"/>
+            <a:ext cx="713740" cy="280670"/>
+          </a:xfrm>
+          <a:prstGeom prst="ellipse">
+            <a:avLst/>
+          </a:prstGeom>
+        </p:spPr>
+        <p:style>
+          <a:lnRef idx="2">
+            <a:schemeClr val="accent3">
+              <a:shade val="50000"/>
+            </a:schemeClr>
+          </a:lnRef>
+          <a:fillRef idx="1">
+            <a:schemeClr val="accent3"/>
+          </a:fillRef>
+          <a:effectRef idx="0">
+            <a:schemeClr val="accent3"/>
+          </a:effectRef>
+          <a:fontRef idx="minor">
+            <a:schemeClr val="lt1"/>
+          </a:fontRef>
+        </p:style>
+        <p:txBody>
+          <a:bodyPr rtlCol="0" anchor="ctr"/>
+          <a:p>
+            <a:pPr algn="ctr"/>
+            <a:r>
+              <a:rPr lang="en-US" sz="1000"/>
+              <a:t>Alias</a:t>
+            </a:r>
+            <a:endParaRPr lang="en-US" sz="1000"/>
+          </a:p>
+        </p:txBody>
+      </p:sp>
+      <p:sp>
+        <p:nvSpPr>
+          <p:cNvPr id="82" name="Oval 81"/>
+          <p:cNvSpPr/>
+          <p:nvPr/>
+        </p:nvSpPr>
+        <p:spPr>
+          <a:xfrm>
+            <a:off x="2393950" y="3145790"/>
+            <a:ext cx="713740" cy="280670"/>
+          </a:xfrm>
+          <a:prstGeom prst="ellipse">
+            <a:avLst/>
+          </a:prstGeom>
+        </p:spPr>
+        <p:style>
+          <a:lnRef idx="2">
+            <a:schemeClr val="accent3">
+              <a:shade val="50000"/>
+            </a:schemeClr>
+          </a:lnRef>
+          <a:fillRef idx="1">
+            <a:schemeClr val="accent3"/>
+          </a:fillRef>
+          <a:effectRef idx="0">
+            <a:schemeClr val="accent3"/>
+          </a:effectRef>
+          <a:fontRef idx="minor">
+            <a:schemeClr val="lt1"/>
+          </a:fontRef>
+        </p:style>
+        <p:txBody>
+          <a:bodyPr rtlCol="0" anchor="ctr"/>
+          <a:p>
+            <a:pPr algn="ctr"/>
+            <a:r>
+              <a:rPr lang="en-US" sz="1000"/>
+              <a:t>Edad</a:t>
+            </a:r>
+            <a:endParaRPr lang="en-US" sz="1000"/>
+          </a:p>
+        </p:txBody>
+      </p:sp>
+      <p:sp>
+        <p:nvSpPr>
+          <p:cNvPr id="83" name="Oval 82"/>
+          <p:cNvSpPr/>
+          <p:nvPr/>
+        </p:nvSpPr>
+        <p:spPr>
+          <a:xfrm>
+            <a:off x="1786890" y="3608070"/>
+            <a:ext cx="713740" cy="280670"/>
+          </a:xfrm>
+          <a:prstGeom prst="ellipse">
+            <a:avLst/>
+          </a:prstGeom>
+        </p:spPr>
+        <p:style>
+          <a:lnRef idx="2">
+            <a:schemeClr val="accent3">
+              <a:shade val="50000"/>
+            </a:schemeClr>
+          </a:lnRef>
+          <a:fillRef idx="1">
+            <a:schemeClr val="accent3"/>
+          </a:fillRef>
+          <a:effectRef idx="0">
+            <a:schemeClr val="accent3"/>
+          </a:effectRef>
+          <a:fontRef idx="minor">
+            <a:schemeClr val="lt1"/>
+          </a:fontRef>
+        </p:style>
+        <p:txBody>
+          <a:bodyPr rtlCol="0" anchor="ctr"/>
+          <a:p>
+            <a:pPr algn="ctr"/>
+            <a:r>
               <a:rPr lang="en-US" sz="1000"/>
               <a:t>Peso</a:t>
             </a:r>
@@ -9408,7 +9877,7 @@
         </p:nvSpPr>
         <p:spPr>
           <a:xfrm>
-            <a:off x="780415" y="3151505"/>
+            <a:off x="937895" y="3608070"/>
             <a:ext cx="713740" cy="280670"/>
           </a:xfrm>
           <a:prstGeom prst="ellipse">
@@ -9454,7 +9923,7 @@
         </p:nvCxnSpPr>
         <p:spPr>
           <a:xfrm flipV="1">
-            <a:off x="1584960" y="2415540"/>
+            <a:off x="1562735" y="2922905"/>
             <a:ext cx="222250" cy="157480"/>
           </a:xfrm>
           <a:prstGeom prst="line">
@@ -9494,7 +9963,7 @@
         </p:nvCxnSpPr>
         <p:spPr>
           <a:xfrm>
-            <a:off x="1451610" y="2415540"/>
+            <a:off x="1429385" y="2922905"/>
             <a:ext cx="133350" cy="157480"/>
           </a:xfrm>
           <a:prstGeom prst="line">
@@ -9534,8 +10003,8 @@
         </p:nvCxnSpPr>
         <p:spPr>
           <a:xfrm flipH="1">
-            <a:off x="1389380" y="2972435"/>
-            <a:ext cx="195580" cy="220345"/>
+            <a:off x="1546860" y="3479800"/>
+            <a:ext cx="15875" cy="169545"/>
           </a:xfrm>
           <a:prstGeom prst="line">
             <a:avLst/>
@@ -9574,7 +10043,7 @@
         </p:nvCxnSpPr>
         <p:spPr>
           <a:xfrm flipH="1" flipV="1">
-            <a:off x="1584960" y="2972435"/>
+            <a:off x="1562735" y="3479800"/>
             <a:ext cx="328930" cy="169545"/>
           </a:xfrm>
           <a:prstGeom prst="line">
@@ -9614,7 +10083,7 @@
         </p:nvCxnSpPr>
         <p:spPr>
           <a:xfrm flipH="1" flipV="1">
-            <a:off x="2209165" y="2773045"/>
+            <a:off x="2186940" y="3280410"/>
             <a:ext cx="207010" cy="5715"/>
           </a:xfrm>
           <a:prstGeom prst="line">
@@ -9645,14 +10114,14 @@
       </p:cxnSp>
       <p:sp>
         <p:nvSpPr>
-          <p:cNvPr id="90" name="Oval 89"/>
+          <p:cNvPr id="9" name="Oval 8"/>
           <p:cNvSpPr/>
           <p:nvPr/>
         </p:nvSpPr>
         <p:spPr>
           <a:xfrm>
-            <a:off x="3598545" y="2216785"/>
-            <a:ext cx="873125" cy="318770"/>
+            <a:off x="6788785" y="2683510"/>
+            <a:ext cx="1243965" cy="280670"/>
           </a:xfrm>
           <a:prstGeom prst="ellipse">
             <a:avLst/>
@@ -9679,51 +10148,8 @@
           <a:p>
             <a:pPr algn="ctr"/>
             <a:r>
-              <a:rPr lang="en-US" sz="1000" u="sng"/>
-              <a:t>Id_Pos</a:t>
-            </a:r>
-            <a:endParaRPr lang="en-US" sz="1000" u="sng"/>
-          </a:p>
-        </p:txBody>
-      </p:sp>
-      <p:sp>
-        <p:nvSpPr>
-          <p:cNvPr id="92" name="Oval 91"/>
-          <p:cNvSpPr/>
-          <p:nvPr/>
-        </p:nvSpPr>
-        <p:spPr>
-          <a:xfrm>
-            <a:off x="4606290" y="2254885"/>
-            <a:ext cx="920115" cy="280670"/>
-          </a:xfrm>
-          <a:prstGeom prst="ellipse">
-            <a:avLst/>
-          </a:prstGeom>
-        </p:spPr>
-        <p:style>
-          <a:lnRef idx="2">
-            <a:schemeClr val="accent3">
-              <a:shade val="50000"/>
-            </a:schemeClr>
-          </a:lnRef>
-          <a:fillRef idx="1">
-            <a:schemeClr val="accent3"/>
-          </a:fillRef>
-          <a:effectRef idx="0">
-            <a:schemeClr val="accent3"/>
-          </a:effectRef>
-          <a:fontRef idx="minor">
-            <a:schemeClr val="lt1"/>
-          </a:fontRef>
-        </p:style>
-        <p:txBody>
-          <a:bodyPr rtlCol="0" anchor="ctr"/>
-          <a:p>
-            <a:pPr algn="ctr"/>
-            <a:r>
               <a:rPr lang="en-US" sz="1000"/>
-              <a:t>Nombre</a:t>
+              <a:t>Rendimiento</a:t>
             </a:r>
             <a:endParaRPr lang="en-US" sz="1000"/>
           </a:p>
@@ -9731,17 +10157,17 @@
       </p:sp>
       <p:cxnSp>
         <p:nvCxnSpPr>
-          <p:cNvPr id="93" name="Straight Connector 92"/>
+          <p:cNvPr id="10" name="Straight Connector 9"/>
           <p:cNvCxnSpPr>
-            <a:stCxn id="90" idx="5"/>
-            <a:endCxn id="8" idx="0"/>
+            <a:stCxn id="9" idx="4"/>
+            <a:endCxn id="40" idx="0"/>
           </p:cNvCxnSpPr>
           <p:nvPr/>
         </p:nvCxnSpPr>
         <p:spPr>
-          <a:xfrm>
-            <a:off x="4344035" y="2488565"/>
-            <a:ext cx="228600" cy="149860"/>
+          <a:xfrm flipH="1">
+            <a:off x="7376795" y="2964180"/>
+            <a:ext cx="34290" cy="212725"/>
           </a:xfrm>
           <a:prstGeom prst="line">
             <a:avLst/>
@@ -9769,56 +10195,16 @@
           </a:fontRef>
         </p:style>
       </p:cxnSp>
-      <p:cxnSp>
-        <p:nvCxnSpPr>
-          <p:cNvPr id="94" name="Straight Connector 93"/>
-          <p:cNvCxnSpPr>
-            <a:stCxn id="92" idx="3"/>
-            <a:endCxn id="8" idx="0"/>
-          </p:cNvCxnSpPr>
-          <p:nvPr/>
-        </p:nvCxnSpPr>
-        <p:spPr>
-          <a:xfrm flipH="1">
-            <a:off x="4572635" y="2494280"/>
-            <a:ext cx="168275" cy="144145"/>
-          </a:xfrm>
-          <a:prstGeom prst="line">
-            <a:avLst/>
-          </a:prstGeom>
-          <a:ln w="28575">
-            <a:solidFill>
-              <a:schemeClr val="bg1">
-                <a:lumMod val="50000"/>
-              </a:schemeClr>
-            </a:solidFill>
-          </a:ln>
-        </p:spPr>
-        <p:style>
-          <a:lnRef idx="1">
-            <a:schemeClr val="accent1"/>
-          </a:lnRef>
-          <a:fillRef idx="0">
-            <a:schemeClr val="accent1"/>
-          </a:fillRef>
-          <a:effectRef idx="0">
-            <a:schemeClr val="accent1"/>
-          </a:effectRef>
-          <a:fontRef idx="minor">
-            <a:schemeClr val="tx1"/>
-          </a:fontRef>
-        </p:style>
-      </p:cxnSp>
-      <p:sp>
-        <p:nvSpPr>
-          <p:cNvPr id="9" name="Oval 8"/>
+      <p:sp>
+        <p:nvSpPr>
+          <p:cNvPr id="20" name="Oval 19"/>
           <p:cNvSpPr/>
           <p:nvPr/>
         </p:nvSpPr>
         <p:spPr>
           <a:xfrm>
-            <a:off x="6811010" y="2176145"/>
-            <a:ext cx="1243965" cy="280670"/>
+            <a:off x="7466330" y="3705860"/>
+            <a:ext cx="713740" cy="280670"/>
           </a:xfrm>
           <a:prstGeom prst="ellipse">
             <a:avLst/>
@@ -9845,220 +10231,8 @@
           <a:p>
             <a:pPr algn="ctr"/>
             <a:r>
-              <a:rPr lang="en-US" sz="1000"/>
-              <a:t>Rendimiento</a:t>
-            </a:r>
-            <a:endParaRPr lang="en-US" sz="1000"/>
-          </a:p>
-        </p:txBody>
-      </p:sp>
-      <p:cxnSp>
-        <p:nvCxnSpPr>
-          <p:cNvPr id="10" name="Straight Connector 9"/>
-          <p:cNvCxnSpPr>
-            <a:stCxn id="9" idx="4"/>
-            <a:endCxn id="40" idx="0"/>
-          </p:cNvCxnSpPr>
-          <p:nvPr/>
-        </p:nvCxnSpPr>
-        <p:spPr>
-          <a:xfrm flipH="1">
-            <a:off x="7399020" y="2456815"/>
-            <a:ext cx="34290" cy="212725"/>
-          </a:xfrm>
-          <a:prstGeom prst="line">
-            <a:avLst/>
-          </a:prstGeom>
-          <a:ln w="28575">
-            <a:solidFill>
-              <a:schemeClr val="bg1">
-                <a:lumMod val="50000"/>
-              </a:schemeClr>
-            </a:solidFill>
-          </a:ln>
-        </p:spPr>
-        <p:style>
-          <a:lnRef idx="1">
-            <a:schemeClr val="accent1"/>
-          </a:lnRef>
-          <a:fillRef idx="0">
-            <a:schemeClr val="accent1"/>
-          </a:fillRef>
-          <a:effectRef idx="0">
-            <a:schemeClr val="accent1"/>
-          </a:effectRef>
-          <a:fontRef idx="minor">
-            <a:schemeClr val="tx1"/>
-          </a:fontRef>
-        </p:style>
-      </p:cxnSp>
-      <p:sp>
-        <p:nvSpPr>
-          <p:cNvPr id="11" name="Oval 10"/>
-          <p:cNvSpPr/>
-          <p:nvPr/>
-        </p:nvSpPr>
-        <p:spPr>
-          <a:xfrm>
-            <a:off x="4933315" y="3992880"/>
-            <a:ext cx="920115" cy="280670"/>
-          </a:xfrm>
-          <a:prstGeom prst="ellipse">
-            <a:avLst/>
-          </a:prstGeom>
-        </p:spPr>
-        <p:style>
-          <a:lnRef idx="2">
-            <a:schemeClr val="accent3">
-              <a:shade val="50000"/>
-            </a:schemeClr>
-          </a:lnRef>
-          <a:fillRef idx="1">
-            <a:schemeClr val="accent3"/>
-          </a:fillRef>
-          <a:effectRef idx="0">
-            <a:schemeClr val="accent3"/>
-          </a:effectRef>
-          <a:fontRef idx="minor">
-            <a:schemeClr val="lt1"/>
-          </a:fontRef>
-        </p:style>
-        <p:txBody>
-          <a:bodyPr rtlCol="0" anchor="ctr"/>
-          <a:p>
-            <a:pPr algn="ctr"/>
-            <a:r>
-              <a:rPr lang="en-US" sz="1000"/>
-              <a:t>Ganador</a:t>
-            </a:r>
-            <a:endParaRPr lang="en-US" sz="1000"/>
-          </a:p>
-        </p:txBody>
-      </p:sp>
-      <p:sp>
-        <p:nvSpPr>
-          <p:cNvPr id="12" name="Oval 11"/>
-          <p:cNvSpPr/>
-          <p:nvPr/>
-        </p:nvSpPr>
-        <p:spPr>
-          <a:xfrm>
-            <a:off x="4249420" y="4302125"/>
-            <a:ext cx="1024255" cy="280670"/>
-          </a:xfrm>
-          <a:prstGeom prst="ellipse">
-            <a:avLst/>
-          </a:prstGeom>
-        </p:spPr>
-        <p:style>
-          <a:lnRef idx="2">
-            <a:schemeClr val="accent3">
-              <a:shade val="50000"/>
-            </a:schemeClr>
-          </a:lnRef>
-          <a:fillRef idx="1">
-            <a:schemeClr val="accent3"/>
-          </a:fillRef>
-          <a:effectRef idx="0">
-            <a:schemeClr val="accent3"/>
-          </a:effectRef>
-          <a:fontRef idx="minor">
-            <a:schemeClr val="lt1"/>
-          </a:fontRef>
-        </p:style>
-        <p:txBody>
-          <a:bodyPr rtlCol="0" anchor="ctr"/>
-          <a:p>
-            <a:pPr algn="ctr"/>
-            <a:r>
-              <a:rPr lang="en-US" sz="1000"/>
-              <a:t>Marcador</a:t>
-            </a:r>
-            <a:endParaRPr lang="en-US" sz="1000"/>
-          </a:p>
-        </p:txBody>
-      </p:sp>
-      <p:sp>
-        <p:nvSpPr>
-          <p:cNvPr id="15" name="Oval 14"/>
-          <p:cNvSpPr/>
-          <p:nvPr/>
-        </p:nvSpPr>
-        <p:spPr>
-          <a:xfrm>
-            <a:off x="4980305" y="5297170"/>
-            <a:ext cx="873125" cy="280670"/>
-          </a:xfrm>
-          <a:prstGeom prst="ellipse">
-            <a:avLst/>
-          </a:prstGeom>
-        </p:spPr>
-        <p:style>
-          <a:lnRef idx="2">
-            <a:schemeClr val="accent3">
-              <a:shade val="50000"/>
-            </a:schemeClr>
-          </a:lnRef>
-          <a:fillRef idx="1">
-            <a:schemeClr val="accent3"/>
-          </a:fillRef>
-          <a:effectRef idx="0">
-            <a:schemeClr val="accent3"/>
-          </a:effectRef>
-          <a:fontRef idx="minor">
-            <a:schemeClr val="lt1"/>
-          </a:fontRef>
-        </p:style>
-        <p:txBody>
-          <a:bodyPr rtlCol="0" anchor="ctr"/>
-          <a:p>
-            <a:pPr algn="ctr"/>
-            <a:r>
-              <a:rPr lang="en-US" sz="1000"/>
-              <a:t>Fecha</a:t>
-            </a:r>
-            <a:endParaRPr lang="en-US" sz="1000"/>
-          </a:p>
-        </p:txBody>
-      </p:sp>
-      <p:sp>
-        <p:nvSpPr>
-          <p:cNvPr id="20" name="Oval 19"/>
-          <p:cNvSpPr/>
-          <p:nvPr/>
-        </p:nvSpPr>
-        <p:spPr>
-          <a:xfrm>
-            <a:off x="7488555" y="3198495"/>
-            <a:ext cx="713740" cy="280670"/>
-          </a:xfrm>
-          <a:prstGeom prst="ellipse">
-            <a:avLst/>
-          </a:prstGeom>
-        </p:spPr>
-        <p:style>
-          <a:lnRef idx="2">
-            <a:schemeClr val="accent3">
-              <a:shade val="50000"/>
-            </a:schemeClr>
-          </a:lnRef>
-          <a:fillRef idx="1">
-            <a:schemeClr val="accent3"/>
-          </a:fillRef>
-          <a:effectRef idx="0">
-            <a:schemeClr val="accent3"/>
-          </a:effectRef>
-          <a:fontRef idx="minor">
-            <a:schemeClr val="lt1"/>
-          </a:fontRef>
-        </p:style>
-        <p:txBody>
-          <a:bodyPr rtlCol="0" anchor="ctr"/>
-          <a:p>
-            <a:pPr algn="ctr"/>
-            <a:r>
               <a:rPr lang="en-US" sz="1000" u="sng"/>
-              <a:t>Alias</a:t>
+              <a:t>Id_J</a:t>
             </a:r>
             <a:endParaRPr lang="en-US" sz="1000" u="sng"/>
           </a:p>
@@ -10072,7 +10246,7 @@
         </p:nvSpPr>
         <p:spPr>
           <a:xfrm>
-            <a:off x="6501765" y="3151505"/>
+            <a:off x="6479540" y="3658870"/>
             <a:ext cx="873125" cy="318770"/>
           </a:xfrm>
           <a:prstGeom prst="ellipse">
@@ -10118,7 +10292,7 @@
         </p:nvCxnSpPr>
         <p:spPr>
           <a:xfrm flipV="1">
-            <a:off x="7247255" y="3006725"/>
+            <a:off x="7225030" y="3514090"/>
             <a:ext cx="151765" cy="191770"/>
           </a:xfrm>
           <a:prstGeom prst="line">
@@ -10158,7 +10332,7 @@
         </p:nvCxnSpPr>
         <p:spPr>
           <a:xfrm>
-            <a:off x="7399020" y="3006725"/>
+            <a:off x="7376795" y="3514090"/>
             <a:ext cx="194310" cy="233045"/>
           </a:xfrm>
           <a:prstGeom prst="line">
@@ -10187,19 +10361,65 @@
           </a:fontRef>
         </p:style>
       </p:cxnSp>
+      <p:sp>
+        <p:nvSpPr>
+          <p:cNvPr id="32" name="Oval 31"/>
+          <p:cNvSpPr/>
+          <p:nvPr/>
+        </p:nvSpPr>
+        <p:spPr>
+          <a:xfrm>
+            <a:off x="4859020" y="2448560"/>
+            <a:ext cx="778510" cy="341630"/>
+          </a:xfrm>
+          <a:prstGeom prst="ellipse">
+            <a:avLst/>
+          </a:prstGeom>
+          <a:ln w="28575">
+            <a:prstDash val="sysDash"/>
+          </a:ln>
+        </p:spPr>
+        <p:style>
+          <a:lnRef idx="2">
+            <a:schemeClr val="accent3">
+              <a:shade val="50000"/>
+            </a:schemeClr>
+          </a:lnRef>
+          <a:fillRef idx="1">
+            <a:schemeClr val="accent3"/>
+          </a:fillRef>
+          <a:effectRef idx="0">
+            <a:schemeClr val="accent3"/>
+          </a:effectRef>
+          <a:fontRef idx="minor">
+            <a:schemeClr val="lt1"/>
+          </a:fontRef>
+        </p:style>
+        <p:txBody>
+          <a:bodyPr rtlCol="0" anchor="ctr"/>
+          <a:p>
+            <a:pPr algn="ctr"/>
+            <a:r>
+              <a:rPr lang="en-US" sz="1000" u="sng"/>
+              <a:t>Fecha End</a:t>
+            </a:r>
+            <a:endParaRPr lang="en-US" sz="1000" u="sng"/>
+          </a:p>
+        </p:txBody>
+      </p:sp>
       <p:cxnSp>
         <p:nvCxnSpPr>
-          <p:cNvPr id="24" name="Straight Connector 23"/>
+          <p:cNvPr id="37" name="Straight Connector 36"/>
           <p:cNvCxnSpPr>
-            <a:stCxn id="12" idx="3"/>
-            <a:endCxn id="57" idx="0"/>
+            <a:stCxn id="50" idx="0"/>
+            <a:endCxn id="32" idx="3"/>
           </p:cNvCxnSpPr>
           <p:nvPr/>
         </p:nvCxnSpPr>
         <p:spPr>
-          <a:xfrm>
-            <a:off x="4399280" y="4541520"/>
-            <a:ext cx="146685" cy="148590"/>
+          <a:xfrm flipV="1">
+            <a:off x="4746625" y="2740025"/>
+            <a:ext cx="226695" cy="182880"/>
           </a:xfrm>
           <a:prstGeom prst="line">
             <a:avLst/>
@@ -10227,19 +10447,65 @@
           </a:fontRef>
         </p:style>
       </p:cxnSp>
+      <p:sp>
+        <p:nvSpPr>
+          <p:cNvPr id="41" name="Oval 40"/>
+          <p:cNvSpPr/>
+          <p:nvPr/>
+        </p:nvSpPr>
+        <p:spPr>
+          <a:xfrm>
+            <a:off x="3968115" y="2460625"/>
+            <a:ext cx="778510" cy="341630"/>
+          </a:xfrm>
+          <a:prstGeom prst="ellipse">
+            <a:avLst/>
+          </a:prstGeom>
+          <a:ln w="28575">
+            <a:prstDash val="sysDash"/>
+          </a:ln>
+        </p:spPr>
+        <p:style>
+          <a:lnRef idx="2">
+            <a:schemeClr val="accent3">
+              <a:shade val="50000"/>
+            </a:schemeClr>
+          </a:lnRef>
+          <a:fillRef idx="1">
+            <a:schemeClr val="accent3"/>
+          </a:fillRef>
+          <a:effectRef idx="0">
+            <a:schemeClr val="accent3"/>
+          </a:effectRef>
+          <a:fontRef idx="minor">
+            <a:schemeClr val="lt1"/>
+          </a:fontRef>
+        </p:style>
+        <p:txBody>
+          <a:bodyPr rtlCol="0" anchor="ctr"/>
+          <a:p>
+            <a:pPr algn="ctr"/>
+            <a:r>
+              <a:rPr lang="en-US" sz="1000" u="sng"/>
+              <a:t>Fecha End</a:t>
+            </a:r>
+            <a:endParaRPr lang="en-US" sz="1000" u="sng"/>
+          </a:p>
+        </p:txBody>
+      </p:sp>
       <p:cxnSp>
         <p:nvCxnSpPr>
-          <p:cNvPr id="31" name="Straight Connector 30"/>
+          <p:cNvPr id="45" name="Straight Connector 44"/>
           <p:cNvCxnSpPr>
-            <a:stCxn id="57" idx="1"/>
-            <a:endCxn id="11" idx="5"/>
+            <a:stCxn id="41" idx="5"/>
+            <a:endCxn id="50" idx="0"/>
           </p:cNvCxnSpPr>
           <p:nvPr/>
         </p:nvCxnSpPr>
         <p:spPr>
-          <a:xfrm flipV="1">
-            <a:off x="5579745" y="4232275"/>
-            <a:ext cx="139065" cy="457835"/>
+          <a:xfrm>
+            <a:off x="4632325" y="2752090"/>
+            <a:ext cx="114300" cy="170815"/>
           </a:xfrm>
           <a:prstGeom prst="line">
             <a:avLst/>
@@ -10267,19 +10533,62 @@
           </a:fontRef>
         </p:style>
       </p:cxnSp>
+      <p:sp>
+        <p:nvSpPr>
+          <p:cNvPr id="48" name="Oval 47"/>
+          <p:cNvSpPr/>
+          <p:nvPr/>
+        </p:nvSpPr>
+        <p:spPr>
+          <a:xfrm>
+            <a:off x="236220" y="3386455"/>
+            <a:ext cx="651510" cy="319405"/>
+          </a:xfrm>
+          <a:prstGeom prst="ellipse">
+            <a:avLst/>
+          </a:prstGeom>
+        </p:spPr>
+        <p:style>
+          <a:lnRef idx="2">
+            <a:schemeClr val="accent3">
+              <a:shade val="50000"/>
+            </a:schemeClr>
+          </a:lnRef>
+          <a:fillRef idx="1">
+            <a:schemeClr val="accent3"/>
+          </a:fillRef>
+          <a:effectRef idx="0">
+            <a:schemeClr val="accent3"/>
+          </a:effectRef>
+          <a:fontRef idx="minor">
+            <a:schemeClr val="lt1"/>
+          </a:fontRef>
+        </p:style>
+        <p:txBody>
+          <a:bodyPr rtlCol="0" anchor="ctr"/>
+          <a:p>
+            <a:pPr algn="ctr"/>
+            <a:r>
+              <a:rPr lang="en-US" sz="1000" u="sng"/>
+              <a:t>Id_J</a:t>
+            </a:r>
+            <a:endParaRPr lang="en-US" sz="1000" u="sng"/>
+          </a:p>
+        </p:txBody>
+      </p:sp>
       <p:cxnSp>
         <p:nvCxnSpPr>
-          <p:cNvPr id="33" name="Straight Connector 32"/>
+          <p:cNvPr id="49" name="Straight Connector 48"/>
           <p:cNvCxnSpPr>
-            <a:stCxn id="15" idx="0"/>
-            <a:endCxn id="57" idx="3"/>
+            <a:stCxn id="44" idx="1"/>
+            <a:endCxn id="48" idx="7"/>
           </p:cNvCxnSpPr>
           <p:nvPr/>
         </p:nvCxnSpPr>
         <p:spPr>
-          <a:xfrm flipV="1">
-            <a:off x="5417185" y="5159375"/>
-            <a:ext cx="162560" cy="137795"/>
+          <a:xfrm flipH="1">
+            <a:off x="792480" y="3280410"/>
+            <a:ext cx="145415" cy="153035"/>
           </a:xfrm>
           <a:prstGeom prst="line">
             <a:avLst/>
@@ -10309,18 +10618,79 @@
       </p:cxnSp>
       <p:sp>
         <p:nvSpPr>
-          <p:cNvPr id="34" name="Oval 33"/>
+          <p:cNvPr id="50" name="Rectangles 49"/>
           <p:cNvSpPr/>
           <p:nvPr/>
         </p:nvSpPr>
         <p:spPr>
           <a:xfrm>
-            <a:off x="6941185" y="5016500"/>
-            <a:ext cx="873125" cy="280670"/>
+            <a:off x="3681730" y="2922905"/>
+            <a:ext cx="2129155" cy="633730"/>
+          </a:xfrm>
+          <a:prstGeom prst="rect">
+            <a:avLst/>
+          </a:prstGeom>
+          <a:solidFill>
+            <a:schemeClr val="accent1">
+              <a:lumMod val="40000"/>
+              <a:lumOff val="60000"/>
+            </a:schemeClr>
+          </a:solidFill>
+          <a:ln w="28575"/>
+        </p:spPr>
+        <p:style>
+          <a:lnRef idx="2">
+            <a:schemeClr val="accent1">
+              <a:shade val="50000"/>
+            </a:schemeClr>
+          </a:lnRef>
+          <a:fillRef idx="1">
+            <a:schemeClr val="accent1"/>
+          </a:fillRef>
+          <a:effectRef idx="0">
+            <a:schemeClr val="accent1"/>
+          </a:effectRef>
+          <a:fontRef idx="minor">
+            <a:schemeClr val="lt1"/>
+          </a:fontRef>
+        </p:style>
+        <p:txBody>
+          <a:bodyPr rtlCol="0" anchor="ctr"/>
+          <a:p>
+            <a:pPr algn="ctr"/>
+            <a:r>
+              <a:rPr lang="en-US">
+                <a:solidFill>
+                  <a:srgbClr val="0070C0"/>
+                </a:solidFill>
+              </a:rPr>
+              <a:t>COMPETENCIA EN TEMPORADA</a:t>
+            </a:r>
+            <a:endParaRPr lang="en-US">
+              <a:solidFill>
+                <a:srgbClr val="0070C0"/>
+              </a:solidFill>
+            </a:endParaRPr>
+          </a:p>
+        </p:txBody>
+      </p:sp>
+      <p:sp>
+        <p:nvSpPr>
+          <p:cNvPr id="51" name="Oval 50"/>
+          <p:cNvSpPr/>
+          <p:nvPr/>
+        </p:nvSpPr>
+        <p:spPr>
+          <a:xfrm>
+            <a:off x="4309745" y="3686810"/>
+            <a:ext cx="873125" cy="318770"/>
           </a:xfrm>
           <a:prstGeom prst="ellipse">
             <a:avLst/>
           </a:prstGeom>
+          <a:ln w="28575">
+            <a:prstDash val="sysDash"/>
+          </a:ln>
         </p:spPr>
         <p:style>
           <a:lnRef idx="2">
@@ -10343,26 +10713,26 @@
           <a:p>
             <a:pPr algn="ctr"/>
             <a:r>
-              <a:rPr lang="en-US" sz="1000"/>
-              <a:t>Fecha</a:t>
-            </a:r>
-            <a:endParaRPr lang="en-US" sz="1000"/>
+              <a:rPr lang="en-US" sz="1000" u="sng"/>
+              <a:t>Id_Com</a:t>
+            </a:r>
+            <a:endParaRPr lang="en-US" sz="1000" u="sng"/>
           </a:p>
         </p:txBody>
       </p:sp>
       <p:cxnSp>
         <p:nvCxnSpPr>
-          <p:cNvPr id="35" name="Straight Connector 34"/>
+          <p:cNvPr id="52" name="Straight Connector 51"/>
           <p:cNvCxnSpPr>
-            <a:stCxn id="34" idx="0"/>
-            <a:endCxn id="2" idx="2"/>
+            <a:stCxn id="50" idx="2"/>
+            <a:endCxn id="51" idx="0"/>
           </p:cNvCxnSpPr>
           <p:nvPr/>
         </p:nvCxnSpPr>
         <p:spPr>
-          <a:xfrm flipH="1" flipV="1">
-            <a:off x="7312660" y="4829810"/>
-            <a:ext cx="65405" cy="186690"/>
+          <a:xfrm>
+            <a:off x="4746625" y="3556635"/>
+            <a:ext cx="0" cy="130175"/>
           </a:xfrm>
           <a:prstGeom prst="line">
             <a:avLst/>
@@ -10392,21 +10762,18 @@
       </p:cxnSp>
       <p:sp>
         <p:nvSpPr>
-          <p:cNvPr id="42" name="Oval 41"/>
+          <p:cNvPr id="53" name="Oval 52"/>
           <p:cNvSpPr/>
           <p:nvPr/>
         </p:nvSpPr>
         <p:spPr>
           <a:xfrm>
-            <a:off x="2092960" y="3883025"/>
-            <a:ext cx="1095375" cy="349250"/>
+            <a:off x="1800860" y="4986020"/>
+            <a:ext cx="873125" cy="318770"/>
           </a:xfrm>
           <a:prstGeom prst="ellipse">
             <a:avLst/>
           </a:prstGeom>
-          <a:ln w="28575">
-            <a:prstDash val="sysDash"/>
-          </a:ln>
         </p:spPr>
         <p:style>
           <a:lnRef idx="2">
@@ -10430,7 +10797,7 @@
             <a:pPr algn="ctr"/>
             <a:r>
               <a:rPr lang="en-US" sz="1000" u="sng"/>
-              <a:t>Nombre_E</a:t>
+              <a:t>Id_Alin</a:t>
             </a:r>
             <a:endParaRPr lang="en-US" sz="1000" u="sng"/>
           </a:p>
@@ -10438,17 +10805,149 @@
       </p:sp>
       <p:cxnSp>
         <p:nvCxnSpPr>
-          <p:cNvPr id="43" name="Straight Connector 42"/>
+          <p:cNvPr id="54" name="Straight Connector 53"/>
           <p:cNvCxnSpPr>
             <a:stCxn id="65" idx="0"/>
-            <a:endCxn id="42" idx="5"/>
+            <a:endCxn id="53" idx="3"/>
           </p:cNvCxnSpPr>
           <p:nvPr/>
         </p:nvCxnSpPr>
         <p:spPr>
-          <a:xfrm flipH="1" flipV="1">
-            <a:off x="3027680" y="4180840"/>
-            <a:ext cx="17145" cy="208915"/>
+          <a:xfrm flipV="1">
+            <a:off x="1522095" y="5257800"/>
+            <a:ext cx="406400" cy="204470"/>
+          </a:xfrm>
+          <a:prstGeom prst="line">
+            <a:avLst/>
+          </a:prstGeom>
+          <a:ln w="28575">
+            <a:solidFill>
+              <a:schemeClr val="bg1">
+                <a:lumMod val="50000"/>
+              </a:schemeClr>
+            </a:solidFill>
+          </a:ln>
+        </p:spPr>
+        <p:style>
+          <a:lnRef idx="1">
+            <a:schemeClr val="accent1"/>
+          </a:lnRef>
+          <a:fillRef idx="0">
+            <a:schemeClr val="accent1"/>
+          </a:fillRef>
+          <a:effectRef idx="0">
+            <a:schemeClr val="accent1"/>
+          </a:effectRef>
+          <a:fontRef idx="minor">
+            <a:schemeClr val="tx1"/>
+          </a:fontRef>
+        </p:style>
+      </p:cxnSp>
+      <p:sp>
+        <p:nvSpPr>
+          <p:cNvPr id="61" name="Oval 60"/>
+          <p:cNvSpPr/>
+          <p:nvPr/>
+        </p:nvSpPr>
+        <p:spPr>
+          <a:xfrm>
+            <a:off x="6312535" y="6113145"/>
+            <a:ext cx="716280" cy="274955"/>
+          </a:xfrm>
+          <a:prstGeom prst="ellipse">
+            <a:avLst/>
+          </a:prstGeom>
+          <a:ln w="28575">
+            <a:prstDash val="sysDash"/>
+          </a:ln>
+        </p:spPr>
+        <p:style>
+          <a:lnRef idx="2">
+            <a:schemeClr val="accent3">
+              <a:shade val="50000"/>
+            </a:schemeClr>
+          </a:lnRef>
+          <a:fillRef idx="1">
+            <a:schemeClr val="accent3"/>
+          </a:fillRef>
+          <a:effectRef idx="0">
+            <a:schemeClr val="accent3"/>
+          </a:effectRef>
+          <a:fontRef idx="minor">
+            <a:schemeClr val="lt1"/>
+          </a:fontRef>
+        </p:style>
+        <p:txBody>
+          <a:bodyPr rtlCol="0" anchor="ctr"/>
+          <a:p>
+            <a:pPr algn="ctr"/>
+            <a:r>
+              <a:rPr lang="en-US" sz="1000" u="sng"/>
+              <a:t>Fecha </a:t>
+            </a:r>
+            <a:endParaRPr lang="en-US" sz="1000" u="sng"/>
+          </a:p>
+        </p:txBody>
+      </p:sp>
+      <p:sp>
+        <p:nvSpPr>
+          <p:cNvPr id="62" name="Oval 61"/>
+          <p:cNvSpPr/>
+          <p:nvPr/>
+        </p:nvSpPr>
+        <p:spPr>
+          <a:xfrm>
+            <a:off x="5046345" y="6173470"/>
+            <a:ext cx="716280" cy="274955"/>
+          </a:xfrm>
+          <a:prstGeom prst="ellipse">
+            <a:avLst/>
+          </a:prstGeom>
+          <a:ln w="28575">
+            <a:prstDash val="sysDash"/>
+          </a:ln>
+        </p:spPr>
+        <p:style>
+          <a:lnRef idx="2">
+            <a:schemeClr val="accent3">
+              <a:shade val="50000"/>
+            </a:schemeClr>
+          </a:lnRef>
+          <a:fillRef idx="1">
+            <a:schemeClr val="accent3"/>
+          </a:fillRef>
+          <a:effectRef idx="0">
+            <a:schemeClr val="accent3"/>
+          </a:effectRef>
+          <a:fontRef idx="minor">
+            <a:schemeClr val="lt1"/>
+          </a:fontRef>
+        </p:style>
+        <p:txBody>
+          <a:bodyPr rtlCol="0" anchor="ctr"/>
+          <a:p>
+            <a:pPr algn="ctr"/>
+            <a:r>
+              <a:rPr lang="en-US" sz="1000" u="sng"/>
+              <a:t>Id_E1 </a:t>
+            </a:r>
+            <a:endParaRPr lang="en-US" sz="1000" u="sng"/>
+          </a:p>
+        </p:txBody>
+      </p:sp>
+      <p:cxnSp>
+        <p:nvCxnSpPr>
+          <p:cNvPr id="63" name="Straight Connector 62"/>
+          <p:cNvCxnSpPr>
+            <a:stCxn id="57" idx="4"/>
+            <a:endCxn id="62" idx="0"/>
+          </p:cNvCxnSpPr>
+          <p:nvPr/>
+        </p:nvCxnSpPr>
+        <p:spPr>
+          <a:xfrm flipH="1">
+            <a:off x="5404485" y="5964555"/>
+            <a:ext cx="104140" cy="208915"/>
           </a:xfrm>
           <a:prstGeom prst="line">
             <a:avLst/>
@@ -11619,7 +12118,7 @@
         </p:nvSpPr>
         <p:spPr>
           <a:xfrm>
-            <a:off x="3246120" y="3192780"/>
+            <a:off x="3245485" y="3521710"/>
             <a:ext cx="1132840" cy="462915"/>
           </a:xfrm>
           <a:prstGeom prst="diamond">
@@ -11648,7 +12147,7 @@
             <a:pPr algn="ctr"/>
             <a:r>
               <a:rPr lang="en-US" sz="1000"/>
-              <a:t>Intervenir</a:t>
+              <a:t>Dirigir</a:t>
             </a:r>
             <a:endParaRPr lang="en-US" sz="1000"/>
           </a:p>
@@ -12415,7 +12914,7 @@
         <p:spPr>
           <a:xfrm>
             <a:off x="4896485" y="977900"/>
-            <a:ext cx="375920" cy="275590"/>
+            <a:ext cx="374650" cy="275590"/>
           </a:xfrm>
           <a:prstGeom prst="rect">
             <a:avLst/>
@@ -12429,7 +12928,7 @@
           <a:p>
             <a:r>
               <a:rPr lang="en-US" sz="1200"/>
-              <a:t>0,1</a:t>
+              <a:t>0,*</a:t>
             </a:r>
             <a:endParaRPr lang="en-US" sz="1200"/>
           </a:p>
@@ -12584,15 +13083,14 @@
         <p:nvCxnSpPr>
           <p:cNvPr id="37" name="Straight Connector 36"/>
           <p:cNvCxnSpPr>
-            <a:stCxn id="63" idx="2"/>
-            <a:endCxn id="3" idx="0"/>
+            <a:stCxn id="63" idx="3"/>
           </p:cNvCxnSpPr>
           <p:nvPr/>
         </p:nvCxnSpPr>
         <p:spPr>
           <a:xfrm>
-            <a:off x="3812540" y="3655695"/>
-            <a:ext cx="635" cy="966470"/>
+            <a:off x="4378325" y="3753485"/>
+            <a:ext cx="1274445" cy="866140"/>
           </a:xfrm>
           <a:prstGeom prst="line">
             <a:avLst/>
@@ -12629,9 +13127,9 @@
           <p:nvPr/>
         </p:nvCxnSpPr>
         <p:spPr>
-          <a:xfrm flipH="1">
+          <a:xfrm flipH="1" flipV="1">
             <a:off x="2588895" y="3424555"/>
-            <a:ext cx="657225" cy="0"/>
+            <a:ext cx="656590" cy="328930"/>
           </a:xfrm>
           <a:prstGeom prst="line">
             <a:avLst/>
@@ -12666,7 +13164,7 @@
         </p:nvSpPr>
         <p:spPr>
           <a:xfrm>
-            <a:off x="3767455" y="4354830"/>
+            <a:off x="5114290" y="4344035"/>
             <a:ext cx="374650" cy="275590"/>
           </a:xfrm>
           <a:prstGeom prst="rect">
@@ -13469,7 +13967,7 @@
         </p:nvSpPr>
         <p:spPr>
           <a:xfrm>
-            <a:off x="5374005" y="4354830"/>
+            <a:off x="5676265" y="4354195"/>
             <a:ext cx="375920" cy="275590"/>
           </a:xfrm>
           <a:prstGeom prst="rect">
@@ -13513,7 +14011,7 @@
           <a:p>
             <a:r>
               <a:rPr lang="en-US" sz="1200"/>
-              <a:t>1,*</a:t>
+              <a:t>0,*</a:t>
             </a:r>
             <a:endParaRPr lang="en-US" sz="1200"/>
           </a:p>
